--- a/6044_FramPat/D2D/W01/INFO_6044_Engine_F24_W01D02_STL_Containers_1.pptx
+++ b/6044_FramPat/D2D/W01/INFO_6044_Engine_F24_W01D02_STL_Containers_1.pptx
@@ -5,7 +5,7 @@
     <p:sldMasterId id="2147483892" r:id="rId1"/>
   </p:sldMasterIdLst>
   <p:notesMasterIdLst>
-    <p:notesMasterId r:id="rId9"/>
+    <p:notesMasterId r:id="rId10"/>
   </p:notesMasterIdLst>
   <p:sldIdLst>
     <p:sldId id="256" r:id="rId2"/>
@@ -15,6 +15,7 @@
     <p:sldId id="321" r:id="rId6"/>
     <p:sldId id="319" r:id="rId7"/>
     <p:sldId id="320" r:id="rId8"/>
+    <p:sldId id="322" r:id="rId9"/>
   </p:sldIdLst>
   <p:sldSz cx="9144000" cy="5143500" type="screen16x9"/>
   <p:notesSz cx="6858000" cy="9144000"/>
@@ -7854,12 +7855,12 @@
               <a:t> or </a:t>
             </a:r>
             <a:r>
-              <a:rPr lang="en-CA"/>
-              <a:t>size_type, </a:t>
+              <a:rPr lang="en-CA" dirty="0" err="1"/>
+              <a:t>size_type</a:t>
             </a:r>
             <a:r>
               <a:rPr lang="en-CA" dirty="0"/>
-              <a:t>which is an int</a:t>
+              <a:t>, which is an int</a:t>
             </a:r>
           </a:p>
           <a:p>
@@ -7882,6 +7883,134 @@
     <p:extLst>
       <p:ext uri="{BB962C8B-B14F-4D97-AF65-F5344CB8AC3E}">
         <p14:creationId xmlns:p14="http://schemas.microsoft.com/office/powerpoint/2010/main" val="1034059532"/>
+      </p:ext>
+    </p:extLst>
+  </p:cSld>
+  <p:clrMapOvr>
+    <a:masterClrMapping/>
+  </p:clrMapOvr>
+</p:sld>
+</file>
+
+<file path=ppt/slides/slide8.xml><?xml version="1.0" encoding="utf-8"?>
+<p:sld xmlns:a="http://schemas.openxmlformats.org/drawingml/2006/main" xmlns:r="http://schemas.openxmlformats.org/officeDocument/2006/relationships" xmlns:p="http://schemas.openxmlformats.org/presentationml/2006/main">
+  <p:cSld>
+    <p:spTree>
+      <p:nvGrpSpPr>
+        <p:cNvPr id="1" name=""/>
+        <p:cNvGrpSpPr/>
+        <p:nvPr/>
+      </p:nvGrpSpPr>
+      <p:grpSpPr>
+        <a:xfrm>
+          <a:off x="0" y="0"/>
+          <a:ext cx="0" cy="0"/>
+          <a:chOff x="0" y="0"/>
+          <a:chExt cx="0" cy="0"/>
+        </a:xfrm>
+      </p:grpSpPr>
+      <p:sp>
+        <p:nvSpPr>
+          <p:cNvPr id="2" name="Title 1">
+            <a:extLst>
+              <a:ext uri="{FF2B5EF4-FFF2-40B4-BE49-F238E27FC236}">
+                <a16:creationId xmlns:a16="http://schemas.microsoft.com/office/drawing/2014/main" id="{DAEA9C4D-6FEC-452A-1742-9DD459D93046}"/>
+              </a:ext>
+            </a:extLst>
+          </p:cNvPr>
+          <p:cNvSpPr>
+            <a:spLocks noGrp="1"/>
+          </p:cNvSpPr>
+          <p:nvPr>
+            <p:ph type="title"/>
+          </p:nvPr>
+        </p:nvSpPr>
+        <p:spPr/>
+        <p:txBody>
+          <a:bodyPr/>
+          <a:lstStyle/>
+          <a:p>
+            <a:r>
+              <a:rPr lang="en-CA" sz="2800" dirty="0"/>
+              <a:t>CRC: Class, Responsivity, Collaboration</a:t>
+            </a:r>
+          </a:p>
+        </p:txBody>
+      </p:sp>
+      <p:sp>
+        <p:nvSpPr>
+          <p:cNvPr id="3" name="Content Placeholder 2">
+            <a:extLst>
+              <a:ext uri="{FF2B5EF4-FFF2-40B4-BE49-F238E27FC236}">
+                <a16:creationId xmlns:a16="http://schemas.microsoft.com/office/drawing/2014/main" id="{1AAD802A-7BD9-7642-52F1-2F164A9648E6}"/>
+              </a:ext>
+            </a:extLst>
+          </p:cNvPr>
+          <p:cNvSpPr>
+            <a:spLocks noGrp="1"/>
+          </p:cNvSpPr>
+          <p:nvPr>
+            <p:ph idx="1"/>
+          </p:nvPr>
+        </p:nvSpPr>
+        <p:spPr/>
+        <p:txBody>
+          <a:bodyPr>
+            <a:normAutofit lnSpcReduction="10000"/>
+          </a:bodyPr>
+          <a:lstStyle/>
+          <a:p>
+            <a:r>
+              <a:rPr lang="en-CA" dirty="0"/>
+              <a:t>Class: The “thing” you are keeping track of</a:t>
+            </a:r>
+          </a:p>
+          <a:p>
+            <a:pPr lvl="1"/>
+            <a:r>
+              <a:rPr lang="en-CA" dirty="0"/>
+              <a:t>(Database rules are helpful here: table names)</a:t>
+            </a:r>
+          </a:p>
+          <a:p>
+            <a:r>
+              <a:rPr lang="en-CA" dirty="0"/>
+              <a:t>Responsibility:</a:t>
+            </a:r>
+          </a:p>
+          <a:p>
+            <a:pPr lvl="1"/>
+            <a:r>
+              <a:rPr lang="en-CA" dirty="0"/>
+              <a:t>Who creates it? Who destroys it? </a:t>
+            </a:r>
+          </a:p>
+          <a:p>
+            <a:r>
+              <a:rPr lang="en-CA" dirty="0"/>
+              <a:t>Collaboration:</a:t>
+            </a:r>
+          </a:p>
+          <a:p>
+            <a:pPr lvl="1"/>
+            <a:r>
+              <a:rPr lang="en-CA" dirty="0"/>
+              <a:t>Who “talks” to this class? Transfers it around? </a:t>
+            </a:r>
+            <a:br>
+              <a:rPr lang="en-CA" dirty="0"/>
+            </a:br>
+            <a:r>
+              <a:rPr lang="en-CA" dirty="0"/>
+              <a:t>Etc.?</a:t>
+            </a:r>
+          </a:p>
+        </p:txBody>
+      </p:sp>
+    </p:spTree>
+    <p:extLst>
+      <p:ext uri="{BB962C8B-B14F-4D97-AF65-F5344CB8AC3E}">
+        <p14:creationId xmlns:p14="http://schemas.microsoft.com/office/powerpoint/2010/main" val="2149950019"/>
       </p:ext>
     </p:extLst>
   </p:cSld>

--- a/6044_FramPat/D2D/W01/INFO_6044_Engine_F24_W01D02_STL_Containers_1.pptx
+++ b/6044_FramPat/D2D/W01/INFO_6044_Engine_F24_W01D02_STL_Containers_1.pptx
@@ -5,7 +5,7 @@
     <p:sldMasterId id="2147483892" r:id="rId1"/>
   </p:sldMasterIdLst>
   <p:notesMasterIdLst>
-    <p:notesMasterId r:id="rId10"/>
+    <p:notesMasterId r:id="rId14"/>
   </p:notesMasterIdLst>
   <p:sldIdLst>
     <p:sldId id="256" r:id="rId2"/>
@@ -16,6 +16,10 @@
     <p:sldId id="319" r:id="rId7"/>
     <p:sldId id="320" r:id="rId8"/>
     <p:sldId id="322" r:id="rId9"/>
+    <p:sldId id="323" r:id="rId10"/>
+    <p:sldId id="325" r:id="rId11"/>
+    <p:sldId id="326" r:id="rId12"/>
+    <p:sldId id="327" r:id="rId13"/>
   </p:sldIdLst>
   <p:sldSz cx="9144000" cy="5143500" type="screen16x9"/>
   <p:notesSz cx="6858000" cy="9144000"/>
@@ -216,7 +220,7 @@
             <a:fld id="{3D3F9196-5FBD-45F8-86BD-A3D90AC79AC7}" type="datetimeFigureOut">
               <a:rPr lang="en-CA" smtClean="0"/>
               <a:pPr/>
-              <a:t>2024-09-18</a:t>
+              <a:t>2024-09-23</a:t>
             </a:fld>
             <a:endParaRPr lang="en-CA"/>
           </a:p>
@@ -517,7 +521,7 @@
             <a:fld id="{8F6BCBE8-30B0-4476-8762-9236B142003A}" type="datetimeFigureOut">
               <a:rPr lang="en-US" smtClean="0"/>
               <a:pPr/>
-              <a:t>9/18/2024</a:t>
+              <a:t>9/23/2024</a:t>
             </a:fld>
             <a:endParaRPr lang="en-US" sz="1100" dirty="0">
               <a:solidFill>
@@ -1214,7 +1218,7 @@
             <a:fld id="{8F6BCBE8-30B0-4476-8762-9236B142003A}" type="datetimeFigureOut">
               <a:rPr lang="en-US" smtClean="0"/>
               <a:pPr/>
-              <a:t>9/18/2024</a:t>
+              <a:t>9/23/2024</a:t>
             </a:fld>
             <a:endParaRPr lang="en-US" sz="1100" dirty="0">
               <a:solidFill>
@@ -1399,7 +1403,7 @@
             <a:fld id="{8F6BCBE8-30B0-4476-8762-9236B142003A}" type="datetimeFigureOut">
               <a:rPr lang="en-US" smtClean="0"/>
               <a:pPr/>
-              <a:t>9/18/2024</a:t>
+              <a:t>9/23/2024</a:t>
             </a:fld>
             <a:endParaRPr lang="en-US" sz="1100" dirty="0">
               <a:solidFill>
@@ -1574,7 +1578,7 @@
             <a:fld id="{8F6BCBE8-30B0-4476-8762-9236B142003A}" type="datetimeFigureOut">
               <a:rPr lang="en-US" smtClean="0"/>
               <a:pPr/>
-              <a:t>9/18/2024</a:t>
+              <a:t>9/23/2024</a:t>
             </a:fld>
             <a:endParaRPr lang="en-US" sz="1100" dirty="0">
               <a:solidFill>
@@ -3032,7 +3036,7 @@
             <a:fld id="{8F6BCBE8-30B0-4476-8762-9236B142003A}" type="datetimeFigureOut">
               <a:rPr lang="en-US" smtClean="0"/>
               <a:pPr/>
-              <a:t>9/18/2024</a:t>
+              <a:t>9/23/2024</a:t>
             </a:fld>
             <a:endParaRPr lang="en-US" sz="1100" dirty="0">
               <a:solidFill>
@@ -3621,7 +3625,7 @@
             <a:fld id="{8F6BCBE8-30B0-4476-8762-9236B142003A}" type="datetimeFigureOut">
               <a:rPr lang="en-US" smtClean="0"/>
               <a:pPr/>
-              <a:t>9/18/2024</a:t>
+              <a:t>9/23/2024</a:t>
             </a:fld>
             <a:endParaRPr lang="en-US" sz="1100" dirty="0">
               <a:solidFill>
@@ -4060,7 +4064,7 @@
             <a:fld id="{8F6BCBE8-30B0-4476-8762-9236B142003A}" type="datetimeFigureOut">
               <a:rPr lang="en-US" smtClean="0"/>
               <a:pPr/>
-              <a:t>9/18/2024</a:t>
+              <a:t>9/23/2024</a:t>
             </a:fld>
             <a:endParaRPr lang="en-US" sz="1100" dirty="0">
               <a:solidFill>
@@ -4607,7 +4611,7 @@
             <a:fld id="{8F6BCBE8-30B0-4476-8762-9236B142003A}" type="datetimeFigureOut">
               <a:rPr lang="en-US" smtClean="0"/>
               <a:pPr/>
-              <a:t>9/18/2024</a:t>
+              <a:t>9/23/2024</a:t>
             </a:fld>
             <a:endParaRPr lang="en-US" sz="1100" dirty="0">
               <a:solidFill>
@@ -4708,7 +4712,7 @@
             <a:fld id="{8F6BCBE8-30B0-4476-8762-9236B142003A}" type="datetimeFigureOut">
               <a:rPr lang="en-US" smtClean="0"/>
               <a:pPr/>
-              <a:t>9/18/2024</a:t>
+              <a:t>9/23/2024</a:t>
             </a:fld>
             <a:endParaRPr lang="en-US" sz="1100" dirty="0">
               <a:solidFill>
@@ -4966,7 +4970,7 @@
             <a:fld id="{8F6BCBE8-30B0-4476-8762-9236B142003A}" type="datetimeFigureOut">
               <a:rPr lang="en-US" smtClean="0"/>
               <a:pPr/>
-              <a:t>9/18/2024</a:t>
+              <a:t>9/23/2024</a:t>
             </a:fld>
             <a:endParaRPr lang="en-US" sz="1100" dirty="0">
               <a:solidFill>
@@ -5688,7 +5692,7 @@
             <a:fld id="{8F6BCBE8-30B0-4476-8762-9236B142003A}" type="datetimeFigureOut">
               <a:rPr lang="en-US" smtClean="0"/>
               <a:pPr/>
-              <a:t>9/18/2024</a:t>
+              <a:t>9/23/2024</a:t>
             </a:fld>
             <a:endParaRPr lang="en-US" sz="1100" dirty="0">
               <a:solidFill>
@@ -6344,7 +6348,7 @@
             <a:fld id="{8F6BCBE8-30B0-4476-8762-9236B142003A}" type="datetimeFigureOut">
               <a:rPr lang="en-US" smtClean="0"/>
               <a:pPr/>
-              <a:t>9/18/2024</a:t>
+              <a:t>9/23/2024</a:t>
             </a:fld>
             <a:endParaRPr lang="en-US" sz="1100" dirty="0">
               <a:solidFill>
@@ -6953,6 +6957,537 @@
 </p:sld>
 </file>
 
+<file path=ppt/slides/slide10.xml><?xml version="1.0" encoding="utf-8"?>
+<p:sld xmlns:a="http://schemas.openxmlformats.org/drawingml/2006/main" xmlns:r="http://schemas.openxmlformats.org/officeDocument/2006/relationships" xmlns:p="http://schemas.openxmlformats.org/presentationml/2006/main">
+  <p:cSld>
+    <p:spTree>
+      <p:nvGrpSpPr>
+        <p:cNvPr id="1" name=""/>
+        <p:cNvGrpSpPr/>
+        <p:nvPr/>
+      </p:nvGrpSpPr>
+      <p:grpSpPr>
+        <a:xfrm>
+          <a:off x="0" y="0"/>
+          <a:ext cx="0" cy="0"/>
+          <a:chOff x="0" y="0"/>
+          <a:chExt cx="0" cy="0"/>
+        </a:xfrm>
+      </p:grpSpPr>
+      <p:sp>
+        <p:nvSpPr>
+          <p:cNvPr id="2" name="Title 1">
+            <a:extLst>
+              <a:ext uri="{FF2B5EF4-FFF2-40B4-BE49-F238E27FC236}">
+                <a16:creationId xmlns:a16="http://schemas.microsoft.com/office/drawing/2014/main" id="{FE7D8B2D-E20C-8F97-D548-25A7395550F4}"/>
+              </a:ext>
+            </a:extLst>
+          </p:cNvPr>
+          <p:cNvSpPr>
+            <a:spLocks noGrp="1"/>
+          </p:cNvSpPr>
+          <p:nvPr>
+            <p:ph type="title"/>
+          </p:nvPr>
+        </p:nvSpPr>
+        <p:spPr/>
+        <p:txBody>
+          <a:bodyPr/>
+          <a:lstStyle/>
+          <a:p>
+            <a:r>
+              <a:rPr lang="en-CA" sz="3600" dirty="0"/>
+              <a:t>std::map (aka “</a:t>
+            </a:r>
+            <a:r>
+              <a:rPr lang="en-CA" sz="3600" dirty="0" err="1"/>
+              <a:t>dictonary</a:t>
+            </a:r>
+            <a:r>
+              <a:rPr lang="en-CA" sz="3600" dirty="0"/>
+              <a:t>”)</a:t>
+            </a:r>
+          </a:p>
+        </p:txBody>
+      </p:sp>
+      <p:sp>
+        <p:nvSpPr>
+          <p:cNvPr id="3" name="Content Placeholder 2">
+            <a:extLst>
+              <a:ext uri="{FF2B5EF4-FFF2-40B4-BE49-F238E27FC236}">
+                <a16:creationId xmlns:a16="http://schemas.microsoft.com/office/drawing/2014/main" id="{AB4134F9-4B81-F7AF-A39D-DC340F89C489}"/>
+              </a:ext>
+            </a:extLst>
+          </p:cNvPr>
+          <p:cNvSpPr>
+            <a:spLocks noGrp="1"/>
+          </p:cNvSpPr>
+          <p:nvPr>
+            <p:ph idx="1"/>
+          </p:nvPr>
+        </p:nvSpPr>
+        <p:spPr/>
+        <p:txBody>
+          <a:bodyPr>
+            <a:normAutofit/>
+          </a:bodyPr>
+          <a:lstStyle/>
+          <a:p>
+            <a:r>
+              <a:rPr lang="en-CA" dirty="0"/>
+              <a:t>Sort of looks like an array, but we can index it with any type we want</a:t>
+            </a:r>
+          </a:p>
+          <a:p>
+            <a:r>
+              <a:rPr lang="en-CA" dirty="0">
+                <a:latin typeface="Courier New" panose="02070309020205020404" pitchFamily="49" charset="0"/>
+                <a:cs typeface="Courier New" panose="02070309020205020404" pitchFamily="49" charset="0"/>
+              </a:rPr>
+              <a:t>int </a:t>
+            </a:r>
+            <a:r>
+              <a:rPr lang="en-CA" dirty="0" err="1">
+                <a:latin typeface="Courier New" panose="02070309020205020404" pitchFamily="49" charset="0"/>
+                <a:cs typeface="Courier New" panose="02070309020205020404" pitchFamily="49" charset="0"/>
+              </a:rPr>
+              <a:t>myarray</a:t>
+            </a:r>
+            <a:r>
+              <a:rPr lang="en-CA" dirty="0">
+                <a:latin typeface="Courier New" panose="02070309020205020404" pitchFamily="49" charset="0"/>
+                <a:cs typeface="Courier New" panose="02070309020205020404" pitchFamily="49" charset="0"/>
+              </a:rPr>
+              <a:t>[100];</a:t>
+            </a:r>
+          </a:p>
+          <a:p>
+            <a:pPr marL="667512" lvl="2" indent="-342900">
+              <a:spcBef>
+                <a:spcPts val="700"/>
+              </a:spcBef>
+              <a:buClr>
+                <a:schemeClr val="tx2"/>
+              </a:buClr>
+              <a:buSzPct val="95000"/>
+              <a:buFont typeface="Wingdings"/>
+              <a:buChar char=""/>
+            </a:pPr>
+            <a:r>
+              <a:rPr lang="en-CA" sz="2800" dirty="0"/>
+              <a:t>Indexed by a int</a:t>
+            </a:r>
+          </a:p>
+          <a:p>
+            <a:pPr marL="667512" lvl="2" indent="-342900">
+              <a:spcBef>
+                <a:spcPts val="700"/>
+              </a:spcBef>
+              <a:buClr>
+                <a:schemeClr val="tx2"/>
+              </a:buClr>
+              <a:buSzPct val="95000"/>
+              <a:buFont typeface="Wingdings"/>
+              <a:buChar char=""/>
+            </a:pPr>
+            <a:r>
+              <a:rPr lang="en-CA" sz="2800" dirty="0"/>
+              <a:t>Stores </a:t>
+            </a:r>
+            <a:r>
+              <a:rPr lang="en-CA" sz="2800" dirty="0" err="1"/>
+              <a:t>ints</a:t>
+            </a:r>
+            <a:endParaRPr lang="en-CA" sz="2800" dirty="0"/>
+          </a:p>
+        </p:txBody>
+      </p:sp>
+    </p:spTree>
+    <p:extLst>
+      <p:ext uri="{BB962C8B-B14F-4D97-AF65-F5344CB8AC3E}">
+        <p14:creationId xmlns:p14="http://schemas.microsoft.com/office/powerpoint/2010/main" val="2573694475"/>
+      </p:ext>
+    </p:extLst>
+  </p:cSld>
+  <p:clrMapOvr>
+    <a:masterClrMapping/>
+  </p:clrMapOvr>
+</p:sld>
+</file>
+
+<file path=ppt/slides/slide11.xml><?xml version="1.0" encoding="utf-8"?>
+<p:sld xmlns:a="http://schemas.openxmlformats.org/drawingml/2006/main" xmlns:r="http://schemas.openxmlformats.org/officeDocument/2006/relationships" xmlns:p="http://schemas.openxmlformats.org/presentationml/2006/main">
+  <p:cSld>
+    <p:spTree>
+      <p:nvGrpSpPr>
+        <p:cNvPr id="1" name=""/>
+        <p:cNvGrpSpPr/>
+        <p:nvPr/>
+      </p:nvGrpSpPr>
+      <p:grpSpPr>
+        <a:xfrm>
+          <a:off x="0" y="0"/>
+          <a:ext cx="0" cy="0"/>
+          <a:chOff x="0" y="0"/>
+          <a:chExt cx="0" cy="0"/>
+        </a:xfrm>
+      </p:grpSpPr>
+      <p:sp>
+        <p:nvSpPr>
+          <p:cNvPr id="2" name="Title 1">
+            <a:extLst>
+              <a:ext uri="{FF2B5EF4-FFF2-40B4-BE49-F238E27FC236}">
+                <a16:creationId xmlns:a16="http://schemas.microsoft.com/office/drawing/2014/main" id="{FE7D8B2D-E20C-8F97-D548-25A7395550F4}"/>
+              </a:ext>
+            </a:extLst>
+          </p:cNvPr>
+          <p:cNvSpPr>
+            <a:spLocks noGrp="1"/>
+          </p:cNvSpPr>
+          <p:nvPr>
+            <p:ph type="title"/>
+          </p:nvPr>
+        </p:nvSpPr>
+        <p:spPr/>
+        <p:txBody>
+          <a:bodyPr/>
+          <a:lstStyle/>
+          <a:p>
+            <a:r>
+              <a:rPr lang="en-CA" sz="3600" dirty="0"/>
+              <a:t>std::map (aka “</a:t>
+            </a:r>
+            <a:r>
+              <a:rPr lang="en-CA" sz="3600" dirty="0" err="1"/>
+              <a:t>dictonary</a:t>
+            </a:r>
+            <a:r>
+              <a:rPr lang="en-CA" sz="3600" dirty="0"/>
+              <a:t>”)</a:t>
+            </a:r>
+          </a:p>
+        </p:txBody>
+      </p:sp>
+      <p:sp>
+        <p:nvSpPr>
+          <p:cNvPr id="3" name="Content Placeholder 2">
+            <a:extLst>
+              <a:ext uri="{FF2B5EF4-FFF2-40B4-BE49-F238E27FC236}">
+                <a16:creationId xmlns:a16="http://schemas.microsoft.com/office/drawing/2014/main" id="{AB4134F9-4B81-F7AF-A39D-DC340F89C489}"/>
+              </a:ext>
+            </a:extLst>
+          </p:cNvPr>
+          <p:cNvSpPr>
+            <a:spLocks noGrp="1"/>
+          </p:cNvSpPr>
+          <p:nvPr>
+            <p:ph idx="1"/>
+          </p:nvPr>
+        </p:nvSpPr>
+        <p:spPr/>
+        <p:txBody>
+          <a:bodyPr>
+            <a:normAutofit lnSpcReduction="10000"/>
+          </a:bodyPr>
+          <a:lstStyle/>
+          <a:p>
+            <a:r>
+              <a:rPr lang="en-CA" dirty="0"/>
+              <a:t>Sort of looks like an array, but we can index it with any type we want</a:t>
+            </a:r>
+          </a:p>
+          <a:p>
+            <a:r>
+              <a:rPr lang="en-CA" dirty="0">
+                <a:latin typeface="Courier New" panose="02070309020205020404" pitchFamily="49" charset="0"/>
+                <a:cs typeface="Courier New" panose="02070309020205020404" pitchFamily="49" charset="0"/>
+              </a:rPr>
+              <a:t>std::string </a:t>
+            </a:r>
+            <a:r>
+              <a:rPr lang="en-CA" dirty="0" err="1">
+                <a:latin typeface="Courier New" panose="02070309020205020404" pitchFamily="49" charset="0"/>
+                <a:cs typeface="Courier New" panose="02070309020205020404" pitchFamily="49" charset="0"/>
+              </a:rPr>
+              <a:t>myarray</a:t>
+            </a:r>
+            <a:r>
+              <a:rPr lang="en-CA" dirty="0">
+                <a:latin typeface="Courier New" panose="02070309020205020404" pitchFamily="49" charset="0"/>
+                <a:cs typeface="Courier New" panose="02070309020205020404" pitchFamily="49" charset="0"/>
+              </a:rPr>
+              <a:t>[100];</a:t>
+            </a:r>
+          </a:p>
+          <a:p>
+            <a:pPr marL="667512" lvl="2" indent="-342900">
+              <a:spcBef>
+                <a:spcPts val="700"/>
+              </a:spcBef>
+              <a:buClr>
+                <a:schemeClr val="tx2"/>
+              </a:buClr>
+              <a:buSzPct val="95000"/>
+              <a:buFont typeface="Wingdings"/>
+              <a:buChar char=""/>
+            </a:pPr>
+            <a:r>
+              <a:rPr lang="en-CA" sz="2800" dirty="0"/>
+              <a:t>Indexed by a int</a:t>
+            </a:r>
+          </a:p>
+          <a:p>
+            <a:pPr marL="667512" lvl="2" indent="-342900">
+              <a:spcBef>
+                <a:spcPts val="700"/>
+              </a:spcBef>
+              <a:buClr>
+                <a:schemeClr val="tx2"/>
+              </a:buClr>
+              <a:buSzPct val="95000"/>
+              <a:buFont typeface="Wingdings"/>
+              <a:buChar char=""/>
+            </a:pPr>
+            <a:r>
+              <a:rPr lang="en-CA" sz="2800" dirty="0"/>
+              <a:t>(starts at 0 and goes to whatever)</a:t>
+            </a:r>
+          </a:p>
+          <a:p>
+            <a:pPr marL="667512" lvl="2" indent="-342900">
+              <a:spcBef>
+                <a:spcPts val="700"/>
+              </a:spcBef>
+              <a:buClr>
+                <a:schemeClr val="tx2"/>
+              </a:buClr>
+              <a:buSzPct val="95000"/>
+              <a:buFont typeface="Wingdings"/>
+              <a:buChar char=""/>
+            </a:pPr>
+            <a:r>
+              <a:rPr lang="en-CA" sz="2800" dirty="0"/>
+              <a:t>Stores strings</a:t>
+            </a:r>
+          </a:p>
+          <a:p>
+            <a:pPr marL="667512" lvl="2" indent="-342900">
+              <a:spcBef>
+                <a:spcPts val="700"/>
+              </a:spcBef>
+              <a:buClr>
+                <a:schemeClr val="tx2"/>
+              </a:buClr>
+              <a:buSzPct val="95000"/>
+              <a:buFont typeface="Wingdings"/>
+              <a:buChar char=""/>
+            </a:pPr>
+            <a:r>
+              <a:rPr lang="en-CA" sz="2800" dirty="0"/>
+              <a:t>Stored in order, contiguously</a:t>
+            </a:r>
+          </a:p>
+        </p:txBody>
+      </p:sp>
+    </p:spTree>
+    <p:extLst>
+      <p:ext uri="{BB962C8B-B14F-4D97-AF65-F5344CB8AC3E}">
+        <p14:creationId xmlns:p14="http://schemas.microsoft.com/office/powerpoint/2010/main" val="69483661"/>
+      </p:ext>
+    </p:extLst>
+  </p:cSld>
+  <p:clrMapOvr>
+    <a:masterClrMapping/>
+  </p:clrMapOvr>
+</p:sld>
+</file>
+
+<file path=ppt/slides/slide12.xml><?xml version="1.0" encoding="utf-8"?>
+<p:sld xmlns:a="http://schemas.openxmlformats.org/drawingml/2006/main" xmlns:r="http://schemas.openxmlformats.org/officeDocument/2006/relationships" xmlns:p="http://schemas.openxmlformats.org/presentationml/2006/main">
+  <p:cSld>
+    <p:spTree>
+      <p:nvGrpSpPr>
+        <p:cNvPr id="1" name=""/>
+        <p:cNvGrpSpPr/>
+        <p:nvPr/>
+      </p:nvGrpSpPr>
+      <p:grpSpPr>
+        <a:xfrm>
+          <a:off x="0" y="0"/>
+          <a:ext cx="0" cy="0"/>
+          <a:chOff x="0" y="0"/>
+          <a:chExt cx="0" cy="0"/>
+        </a:xfrm>
+      </p:grpSpPr>
+      <p:sp>
+        <p:nvSpPr>
+          <p:cNvPr id="2" name="Title 1">
+            <a:extLst>
+              <a:ext uri="{FF2B5EF4-FFF2-40B4-BE49-F238E27FC236}">
+                <a16:creationId xmlns:a16="http://schemas.microsoft.com/office/drawing/2014/main" id="{FE7D8B2D-E20C-8F97-D548-25A7395550F4}"/>
+              </a:ext>
+            </a:extLst>
+          </p:cNvPr>
+          <p:cNvSpPr>
+            <a:spLocks noGrp="1"/>
+          </p:cNvSpPr>
+          <p:nvPr>
+            <p:ph type="title"/>
+          </p:nvPr>
+        </p:nvSpPr>
+        <p:spPr/>
+        <p:txBody>
+          <a:bodyPr/>
+          <a:lstStyle/>
+          <a:p>
+            <a:r>
+              <a:rPr lang="en-CA" sz="3600" dirty="0"/>
+              <a:t>std::map (aka “dictionary”)</a:t>
+            </a:r>
+          </a:p>
+        </p:txBody>
+      </p:sp>
+      <p:sp>
+        <p:nvSpPr>
+          <p:cNvPr id="3" name="Content Placeholder 2">
+            <a:extLst>
+              <a:ext uri="{FF2B5EF4-FFF2-40B4-BE49-F238E27FC236}">
+                <a16:creationId xmlns:a16="http://schemas.microsoft.com/office/drawing/2014/main" id="{AB4134F9-4B81-F7AF-A39D-DC340F89C489}"/>
+              </a:ext>
+            </a:extLst>
+          </p:cNvPr>
+          <p:cNvSpPr>
+            <a:spLocks noGrp="1"/>
+          </p:cNvSpPr>
+          <p:nvPr>
+            <p:ph idx="1"/>
+          </p:nvPr>
+        </p:nvSpPr>
+        <p:spPr/>
+        <p:txBody>
+          <a:bodyPr>
+            <a:normAutofit lnSpcReduction="10000"/>
+          </a:bodyPr>
+          <a:lstStyle/>
+          <a:p>
+            <a:r>
+              <a:rPr lang="en-CA" dirty="0"/>
+              <a:t>Sort of looks like an array, but we can index it with any type we want</a:t>
+            </a:r>
+          </a:p>
+          <a:p>
+            <a:r>
+              <a:rPr lang="en-CA" dirty="0" err="1">
+                <a:latin typeface="Courier New" panose="02070309020205020404" pitchFamily="49" charset="0"/>
+                <a:cs typeface="Courier New" panose="02070309020205020404" pitchFamily="49" charset="0"/>
+              </a:rPr>
+              <a:t>cMonster</a:t>
+            </a:r>
+            <a:r>
+              <a:rPr lang="en-CA" dirty="0">
+                <a:latin typeface="Courier New" panose="02070309020205020404" pitchFamily="49" charset="0"/>
+                <a:cs typeface="Courier New" panose="02070309020205020404" pitchFamily="49" charset="0"/>
+              </a:rPr>
+              <a:t> </a:t>
+            </a:r>
+            <a:r>
+              <a:rPr lang="en-CA" dirty="0" err="1">
+                <a:latin typeface="Courier New" panose="02070309020205020404" pitchFamily="49" charset="0"/>
+                <a:cs typeface="Courier New" panose="02070309020205020404" pitchFamily="49" charset="0"/>
+              </a:rPr>
+              <a:t>myarray</a:t>
+            </a:r>
+            <a:r>
+              <a:rPr lang="en-CA" dirty="0">
+                <a:latin typeface="Courier New" panose="02070309020205020404" pitchFamily="49" charset="0"/>
+                <a:cs typeface="Courier New" panose="02070309020205020404" pitchFamily="49" charset="0"/>
+              </a:rPr>
+              <a:t>[100];</a:t>
+            </a:r>
+          </a:p>
+          <a:p>
+            <a:pPr marL="667512" lvl="2" indent="-342900">
+              <a:spcBef>
+                <a:spcPts val="700"/>
+              </a:spcBef>
+              <a:buClr>
+                <a:schemeClr val="tx2"/>
+              </a:buClr>
+              <a:buSzPct val="95000"/>
+              <a:buFont typeface="Wingdings"/>
+              <a:buChar char=""/>
+            </a:pPr>
+            <a:r>
+              <a:rPr lang="en-CA" sz="2800" dirty="0"/>
+              <a:t>Indexed by a int</a:t>
+            </a:r>
+          </a:p>
+          <a:p>
+            <a:pPr marL="667512" lvl="2" indent="-342900">
+              <a:spcBef>
+                <a:spcPts val="700"/>
+              </a:spcBef>
+              <a:buClr>
+                <a:schemeClr val="tx2"/>
+              </a:buClr>
+              <a:buSzPct val="95000"/>
+              <a:buFont typeface="Wingdings"/>
+              <a:buChar char=""/>
+            </a:pPr>
+            <a:r>
+              <a:rPr lang="en-CA" sz="2800" dirty="0"/>
+              <a:t>(starts at 0 and goes to whatever)</a:t>
+            </a:r>
+          </a:p>
+          <a:p>
+            <a:pPr marL="667512" lvl="2" indent="-342900">
+              <a:spcBef>
+                <a:spcPts val="700"/>
+              </a:spcBef>
+              <a:buClr>
+                <a:schemeClr val="tx2"/>
+              </a:buClr>
+              <a:buSzPct val="95000"/>
+              <a:buFont typeface="Wingdings"/>
+              <a:buChar char=""/>
+            </a:pPr>
+            <a:r>
+              <a:rPr lang="en-CA" sz="2800" dirty="0"/>
+              <a:t>Stores monster</a:t>
+            </a:r>
+          </a:p>
+          <a:p>
+            <a:pPr marL="667512" lvl="2" indent="-342900">
+              <a:spcBef>
+                <a:spcPts val="700"/>
+              </a:spcBef>
+              <a:buClr>
+                <a:schemeClr val="tx2"/>
+              </a:buClr>
+              <a:buSzPct val="95000"/>
+              <a:buFont typeface="Wingdings"/>
+              <a:buChar char=""/>
+            </a:pPr>
+            <a:r>
+              <a:rPr lang="en-CA" sz="2800" dirty="0"/>
+              <a:t>Stored in order, contiguously</a:t>
+            </a:r>
+          </a:p>
+        </p:txBody>
+      </p:sp>
+    </p:spTree>
+    <p:extLst>
+      <p:ext uri="{BB962C8B-B14F-4D97-AF65-F5344CB8AC3E}">
+        <p14:creationId xmlns:p14="http://schemas.microsoft.com/office/powerpoint/2010/main" val="1619975794"/>
+      </p:ext>
+    </p:extLst>
+  </p:cSld>
+  <p:clrMapOvr>
+    <a:masterClrMapping/>
+  </p:clrMapOvr>
+</p:sld>
+</file>
+
 <file path=ppt/slides/slide2.xml><?xml version="1.0" encoding="utf-8"?>
 <p:sld xmlns:a="http://schemas.openxmlformats.org/drawingml/2006/main" xmlns:r="http://schemas.openxmlformats.org/officeDocument/2006/relationships" xmlns:p="http://schemas.openxmlformats.org/presentationml/2006/main">
   <p:cSld>
@@ -7956,7 +8491,7 @@
         <p:spPr/>
         <p:txBody>
           <a:bodyPr>
-            <a:normAutofit lnSpcReduction="10000"/>
+            <a:normAutofit/>
           </a:bodyPr>
           <a:lstStyle/>
           <a:p>
@@ -7992,7 +8527,7 @@
             </a:r>
           </a:p>
           <a:p>
-            <a:pPr lvl="1"/>
+            <a:pPr lvl="2"/>
             <a:r>
               <a:rPr lang="en-CA" dirty="0"/>
               <a:t>Who “talks” to this class? Transfers it around? </a:t>
@@ -8011,6 +8546,440 @@
     <p:extLst>
       <p:ext uri="{BB962C8B-B14F-4D97-AF65-F5344CB8AC3E}">
         <p14:creationId xmlns:p14="http://schemas.microsoft.com/office/powerpoint/2010/main" val="2149950019"/>
+      </p:ext>
+    </p:extLst>
+  </p:cSld>
+  <p:clrMapOvr>
+    <a:masterClrMapping/>
+  </p:clrMapOvr>
+</p:sld>
+</file>
+
+<file path=ppt/slides/slide9.xml><?xml version="1.0" encoding="utf-8"?>
+<p:sld xmlns:a="http://schemas.openxmlformats.org/drawingml/2006/main" xmlns:r="http://schemas.openxmlformats.org/officeDocument/2006/relationships" xmlns:p="http://schemas.openxmlformats.org/presentationml/2006/main">
+  <p:cSld>
+    <p:spTree>
+      <p:nvGrpSpPr>
+        <p:cNvPr id="1" name=""/>
+        <p:cNvGrpSpPr/>
+        <p:nvPr/>
+      </p:nvGrpSpPr>
+      <p:grpSpPr>
+        <a:xfrm>
+          <a:off x="0" y="0"/>
+          <a:ext cx="0" cy="0"/>
+          <a:chOff x="0" y="0"/>
+          <a:chExt cx="0" cy="0"/>
+        </a:xfrm>
+      </p:grpSpPr>
+      <p:sp>
+        <p:nvSpPr>
+          <p:cNvPr id="4" name="Rectangle: Rounded Corners 3">
+            <a:extLst>
+              <a:ext uri="{FF2B5EF4-FFF2-40B4-BE49-F238E27FC236}">
+                <a16:creationId xmlns:a16="http://schemas.microsoft.com/office/drawing/2014/main" id="{A69EC230-CD16-E406-A990-0BA539EA10FE}"/>
+              </a:ext>
+            </a:extLst>
+          </p:cNvPr>
+          <p:cNvSpPr/>
+          <p:nvPr/>
+        </p:nvSpPr>
+        <p:spPr>
+          <a:xfrm>
+            <a:off x="7162800" y="2551528"/>
+            <a:ext cx="1752600" cy="914400"/>
+          </a:xfrm>
+          <a:prstGeom prst="roundRect">
+            <a:avLst/>
+          </a:prstGeom>
+        </p:spPr>
+        <p:style>
+          <a:lnRef idx="2">
+            <a:schemeClr val="accent1">
+              <a:shade val="15000"/>
+            </a:schemeClr>
+          </a:lnRef>
+          <a:fillRef idx="1">
+            <a:schemeClr val="accent1"/>
+          </a:fillRef>
+          <a:effectRef idx="0">
+            <a:schemeClr val="accent1"/>
+          </a:effectRef>
+          <a:fontRef idx="minor">
+            <a:schemeClr val="lt1"/>
+          </a:fontRef>
+        </p:style>
+        <p:txBody>
+          <a:bodyPr rtlCol="0" anchor="ctr"/>
+          <a:lstStyle/>
+          <a:p>
+            <a:pPr algn="ctr"/>
+            <a:r>
+              <a:rPr lang="en-CA" dirty="0" err="1">
+                <a:solidFill>
+                  <a:schemeClr val="bg1"/>
+                </a:solidFill>
+              </a:rPr>
+              <a:t>cMonster</a:t>
+            </a:r>
+            <a:endParaRPr lang="en-CA" dirty="0">
+              <a:solidFill>
+                <a:schemeClr val="bg1"/>
+              </a:solidFill>
+            </a:endParaRPr>
+          </a:p>
+        </p:txBody>
+      </p:sp>
+      <p:sp>
+        <p:nvSpPr>
+          <p:cNvPr id="5" name="Rectangle: Rounded Corners 4">
+            <a:extLst>
+              <a:ext uri="{FF2B5EF4-FFF2-40B4-BE49-F238E27FC236}">
+                <a16:creationId xmlns:a16="http://schemas.microsoft.com/office/drawing/2014/main" id="{4B3588BB-5CFA-AACD-FFAF-BF4DEEA702F9}"/>
+              </a:ext>
+            </a:extLst>
+          </p:cNvPr>
+          <p:cNvSpPr/>
+          <p:nvPr/>
+        </p:nvSpPr>
+        <p:spPr>
+          <a:xfrm>
+            <a:off x="4800600" y="1047750"/>
+            <a:ext cx="2209800" cy="914400"/>
+          </a:xfrm>
+          <a:prstGeom prst="roundRect">
+            <a:avLst/>
+          </a:prstGeom>
+        </p:spPr>
+        <p:style>
+          <a:lnRef idx="2">
+            <a:schemeClr val="accent1">
+              <a:shade val="15000"/>
+            </a:schemeClr>
+          </a:lnRef>
+          <a:fillRef idx="1">
+            <a:schemeClr val="accent1"/>
+          </a:fillRef>
+          <a:effectRef idx="0">
+            <a:schemeClr val="accent1"/>
+          </a:effectRef>
+          <a:fontRef idx="minor">
+            <a:schemeClr val="lt1"/>
+          </a:fontRef>
+        </p:style>
+        <p:txBody>
+          <a:bodyPr rtlCol="0" anchor="ctr"/>
+          <a:lstStyle/>
+          <a:p>
+            <a:pPr algn="ctr"/>
+            <a:r>
+              <a:rPr lang="en-CA" dirty="0" err="1">
+                <a:solidFill>
+                  <a:schemeClr val="bg1"/>
+                </a:solidFill>
+              </a:rPr>
+              <a:t>cMonsterCreator</a:t>
+            </a:r>
+            <a:endParaRPr lang="en-CA" dirty="0">
+              <a:solidFill>
+                <a:schemeClr val="bg1"/>
+              </a:solidFill>
+            </a:endParaRPr>
+          </a:p>
+        </p:txBody>
+      </p:sp>
+      <p:sp>
+        <p:nvSpPr>
+          <p:cNvPr id="6" name="Rectangle: Rounded Corners 5">
+            <a:extLst>
+              <a:ext uri="{FF2B5EF4-FFF2-40B4-BE49-F238E27FC236}">
+                <a16:creationId xmlns:a16="http://schemas.microsoft.com/office/drawing/2014/main" id="{8070FB6E-7A2F-F9FC-18E7-08E9C0FBC15D}"/>
+              </a:ext>
+            </a:extLst>
+          </p:cNvPr>
+          <p:cNvSpPr/>
+          <p:nvPr/>
+        </p:nvSpPr>
+        <p:spPr>
+          <a:xfrm>
+            <a:off x="1905000" y="2551528"/>
+            <a:ext cx="2209800" cy="914400"/>
+          </a:xfrm>
+          <a:prstGeom prst="roundRect">
+            <a:avLst/>
+          </a:prstGeom>
+        </p:spPr>
+        <p:style>
+          <a:lnRef idx="2">
+            <a:schemeClr val="accent1">
+              <a:shade val="15000"/>
+            </a:schemeClr>
+          </a:lnRef>
+          <a:fillRef idx="1">
+            <a:schemeClr val="accent1"/>
+          </a:fillRef>
+          <a:effectRef idx="0">
+            <a:schemeClr val="accent1"/>
+          </a:effectRef>
+          <a:fontRef idx="minor">
+            <a:schemeClr val="lt1"/>
+          </a:fontRef>
+        </p:style>
+        <p:txBody>
+          <a:bodyPr rtlCol="0" anchor="ctr"/>
+          <a:lstStyle/>
+          <a:p>
+            <a:pPr algn="ctr"/>
+            <a:r>
+              <a:rPr lang="en-CA" dirty="0" err="1">
+                <a:solidFill>
+                  <a:schemeClr val="bg1"/>
+                </a:solidFill>
+              </a:rPr>
+              <a:t>cArena</a:t>
+            </a:r>
+            <a:endParaRPr lang="en-CA" dirty="0">
+              <a:solidFill>
+                <a:schemeClr val="bg1"/>
+              </a:solidFill>
+            </a:endParaRPr>
+          </a:p>
+        </p:txBody>
+      </p:sp>
+      <p:sp>
+        <p:nvSpPr>
+          <p:cNvPr id="7" name="Rectangle 6">
+            <a:extLst>
+              <a:ext uri="{FF2B5EF4-FFF2-40B4-BE49-F238E27FC236}">
+                <a16:creationId xmlns:a16="http://schemas.microsoft.com/office/drawing/2014/main" id="{197DDAC7-310F-087C-5780-54CD48774833}"/>
+              </a:ext>
+            </a:extLst>
+          </p:cNvPr>
+          <p:cNvSpPr/>
+          <p:nvPr/>
+        </p:nvSpPr>
+        <p:spPr>
+          <a:xfrm>
+            <a:off x="533400" y="819150"/>
+            <a:ext cx="1143000" cy="609600"/>
+          </a:xfrm>
+          <a:prstGeom prst="rect">
+            <a:avLst/>
+          </a:prstGeom>
+        </p:spPr>
+        <p:style>
+          <a:lnRef idx="2">
+            <a:schemeClr val="accent3">
+              <a:shade val="15000"/>
+            </a:schemeClr>
+          </a:lnRef>
+          <a:fillRef idx="1">
+            <a:schemeClr val="accent3"/>
+          </a:fillRef>
+          <a:effectRef idx="0">
+            <a:schemeClr val="accent3"/>
+          </a:effectRef>
+          <a:fontRef idx="minor">
+            <a:schemeClr val="lt1"/>
+          </a:fontRef>
+        </p:style>
+        <p:txBody>
+          <a:bodyPr rtlCol="0" anchor="ctr"/>
+          <a:lstStyle/>
+          <a:p>
+            <a:pPr algn="ctr"/>
+            <a:r>
+              <a:rPr lang="en-CA" dirty="0" err="1">
+                <a:solidFill>
+                  <a:schemeClr val="bg1"/>
+                </a:solidFill>
+              </a:rPr>
+              <a:t>theMain</a:t>
+            </a:r>
+            <a:endParaRPr lang="en-CA" dirty="0">
+              <a:solidFill>
+                <a:schemeClr val="bg1"/>
+              </a:solidFill>
+            </a:endParaRPr>
+          </a:p>
+        </p:txBody>
+      </p:sp>
+      <p:cxnSp>
+        <p:nvCxnSpPr>
+          <p:cNvPr id="9" name="Straight Arrow Connector 8">
+            <a:extLst>
+              <a:ext uri="{FF2B5EF4-FFF2-40B4-BE49-F238E27FC236}">
+                <a16:creationId xmlns:a16="http://schemas.microsoft.com/office/drawing/2014/main" id="{0A6518E5-2017-1EE7-CEAC-01732709E8D8}"/>
+              </a:ext>
+            </a:extLst>
+          </p:cNvPr>
+          <p:cNvCxnSpPr>
+            <a:cxnSpLocks/>
+            <a:stCxn id="7" idx="2"/>
+            <a:endCxn id="6" idx="1"/>
+          </p:cNvCxnSpPr>
+          <p:nvPr/>
+        </p:nvCxnSpPr>
+        <p:spPr>
+          <a:xfrm>
+            <a:off x="1104900" y="1428750"/>
+            <a:ext cx="800100" cy="1579978"/>
+          </a:xfrm>
+          <a:prstGeom prst="straightConnector1">
+            <a:avLst/>
+          </a:prstGeom>
+          <a:ln w="82550">
+            <a:tailEnd type="triangle"/>
+          </a:ln>
+        </p:spPr>
+        <p:style>
+          <a:lnRef idx="1">
+            <a:schemeClr val="accent1"/>
+          </a:lnRef>
+          <a:fillRef idx="0">
+            <a:schemeClr val="accent1"/>
+          </a:fillRef>
+          <a:effectRef idx="0">
+            <a:schemeClr val="accent1"/>
+          </a:effectRef>
+          <a:fontRef idx="minor">
+            <a:schemeClr val="tx1"/>
+          </a:fontRef>
+        </p:style>
+      </p:cxnSp>
+      <p:cxnSp>
+        <p:nvCxnSpPr>
+          <p:cNvPr id="13" name="Straight Arrow Connector 12">
+            <a:extLst>
+              <a:ext uri="{FF2B5EF4-FFF2-40B4-BE49-F238E27FC236}">
+                <a16:creationId xmlns:a16="http://schemas.microsoft.com/office/drawing/2014/main" id="{AD7B72D6-1C20-E51F-E5D9-24B3C4C4871D}"/>
+              </a:ext>
+            </a:extLst>
+          </p:cNvPr>
+          <p:cNvCxnSpPr>
+            <a:cxnSpLocks/>
+            <a:stCxn id="6" idx="3"/>
+            <a:endCxn id="4" idx="1"/>
+          </p:cNvCxnSpPr>
+          <p:nvPr/>
+        </p:nvCxnSpPr>
+        <p:spPr>
+          <a:xfrm>
+            <a:off x="4114800" y="3008728"/>
+            <a:ext cx="3048000" cy="0"/>
+          </a:xfrm>
+          <a:prstGeom prst="straightConnector1">
+            <a:avLst/>
+          </a:prstGeom>
+          <a:ln w="82550">
+            <a:tailEnd type="triangle"/>
+          </a:ln>
+        </p:spPr>
+        <p:style>
+          <a:lnRef idx="1">
+            <a:schemeClr val="accent1"/>
+          </a:lnRef>
+          <a:fillRef idx="0">
+            <a:schemeClr val="accent1"/>
+          </a:fillRef>
+          <a:effectRef idx="0">
+            <a:schemeClr val="accent1"/>
+          </a:effectRef>
+          <a:fontRef idx="minor">
+            <a:schemeClr val="tx1"/>
+          </a:fontRef>
+        </p:style>
+      </p:cxnSp>
+      <p:cxnSp>
+        <p:nvCxnSpPr>
+          <p:cNvPr id="19" name="Straight Arrow Connector 18">
+            <a:extLst>
+              <a:ext uri="{FF2B5EF4-FFF2-40B4-BE49-F238E27FC236}">
+                <a16:creationId xmlns:a16="http://schemas.microsoft.com/office/drawing/2014/main" id="{93EB36F0-EA3C-2C98-CD8D-9B09BD3300D8}"/>
+              </a:ext>
+            </a:extLst>
+          </p:cNvPr>
+          <p:cNvCxnSpPr>
+            <a:cxnSpLocks/>
+            <a:stCxn id="5" idx="3"/>
+            <a:endCxn id="4" idx="0"/>
+          </p:cNvCxnSpPr>
+          <p:nvPr/>
+        </p:nvCxnSpPr>
+        <p:spPr>
+          <a:xfrm>
+            <a:off x="7010400" y="1504950"/>
+            <a:ext cx="1028700" cy="1046578"/>
+          </a:xfrm>
+          <a:prstGeom prst="straightConnector1">
+            <a:avLst/>
+          </a:prstGeom>
+          <a:ln w="82550">
+            <a:tailEnd type="triangle"/>
+          </a:ln>
+        </p:spPr>
+        <p:style>
+          <a:lnRef idx="1">
+            <a:schemeClr val="accent1"/>
+          </a:lnRef>
+          <a:fillRef idx="0">
+            <a:schemeClr val="accent1"/>
+          </a:fillRef>
+          <a:effectRef idx="0">
+            <a:schemeClr val="accent1"/>
+          </a:effectRef>
+          <a:fontRef idx="minor">
+            <a:schemeClr val="tx1"/>
+          </a:fontRef>
+        </p:style>
+      </p:cxnSp>
+      <p:cxnSp>
+        <p:nvCxnSpPr>
+          <p:cNvPr id="43" name="Straight Arrow Connector 42">
+            <a:extLst>
+              <a:ext uri="{FF2B5EF4-FFF2-40B4-BE49-F238E27FC236}">
+                <a16:creationId xmlns:a16="http://schemas.microsoft.com/office/drawing/2014/main" id="{CC1A1618-108C-9492-E385-C36F7A418B62}"/>
+              </a:ext>
+            </a:extLst>
+          </p:cNvPr>
+          <p:cNvCxnSpPr>
+            <a:cxnSpLocks/>
+            <a:stCxn id="6" idx="3"/>
+            <a:endCxn id="5" idx="1"/>
+          </p:cNvCxnSpPr>
+          <p:nvPr/>
+        </p:nvCxnSpPr>
+        <p:spPr>
+          <a:xfrm flipV="1">
+            <a:off x="4114800" y="1504950"/>
+            <a:ext cx="685800" cy="1503778"/>
+          </a:xfrm>
+          <a:prstGeom prst="straightConnector1">
+            <a:avLst/>
+          </a:prstGeom>
+          <a:ln w="82550">
+            <a:tailEnd type="triangle"/>
+          </a:ln>
+        </p:spPr>
+        <p:style>
+          <a:lnRef idx="1">
+            <a:schemeClr val="accent1"/>
+          </a:lnRef>
+          <a:fillRef idx="0">
+            <a:schemeClr val="accent1"/>
+          </a:fillRef>
+          <a:effectRef idx="0">
+            <a:schemeClr val="accent1"/>
+          </a:effectRef>
+          <a:fontRef idx="minor">
+            <a:schemeClr val="tx1"/>
+          </a:fontRef>
+        </p:style>
+      </p:cxnSp>
+    </p:spTree>
+    <p:extLst>
+      <p:ext uri="{BB962C8B-B14F-4D97-AF65-F5344CB8AC3E}">
+        <p14:creationId xmlns:p14="http://schemas.microsoft.com/office/powerpoint/2010/main" val="605507326"/>
       </p:ext>
     </p:extLst>
   </p:cSld>

--- a/6044_FramPat/D2D/W01/INFO_6044_Engine_F24_W01D02_STL_Containers_1.pptx
+++ b/6044_FramPat/D2D/W01/INFO_6044_Engine_F24_W01D02_STL_Containers_1.pptx
@@ -5,7 +5,7 @@
     <p:sldMasterId id="2147483892" r:id="rId1"/>
   </p:sldMasterIdLst>
   <p:notesMasterIdLst>
-    <p:notesMasterId r:id="rId14"/>
+    <p:notesMasterId r:id="rId22"/>
   </p:notesMasterIdLst>
   <p:sldIdLst>
     <p:sldId id="256" r:id="rId2"/>
@@ -20,6 +20,14 @@
     <p:sldId id="325" r:id="rId11"/>
     <p:sldId id="326" r:id="rId12"/>
     <p:sldId id="327" r:id="rId13"/>
+    <p:sldId id="328" r:id="rId14"/>
+    <p:sldId id="334" r:id="rId15"/>
+    <p:sldId id="335" r:id="rId16"/>
+    <p:sldId id="329" r:id="rId17"/>
+    <p:sldId id="330" r:id="rId18"/>
+    <p:sldId id="331" r:id="rId19"/>
+    <p:sldId id="332" r:id="rId20"/>
+    <p:sldId id="333" r:id="rId21"/>
   </p:sldIdLst>
   <p:sldSz cx="9144000" cy="5143500" type="screen16x9"/>
   <p:notesSz cx="6858000" cy="9144000"/>
@@ -220,7 +228,7 @@
             <a:fld id="{3D3F9196-5FBD-45F8-86BD-A3D90AC79AC7}" type="datetimeFigureOut">
               <a:rPr lang="en-CA" smtClean="0"/>
               <a:pPr/>
-              <a:t>2024-09-23</a:t>
+              <a:t>2024-09-30</a:t>
             </a:fld>
             <a:endParaRPr lang="en-CA"/>
           </a:p>
@@ -521,7 +529,7 @@
             <a:fld id="{8F6BCBE8-30B0-4476-8762-9236B142003A}" type="datetimeFigureOut">
               <a:rPr lang="en-US" smtClean="0"/>
               <a:pPr/>
-              <a:t>9/23/2024</a:t>
+              <a:t>9/30/2024</a:t>
             </a:fld>
             <a:endParaRPr lang="en-US" sz="1100" dirty="0">
               <a:solidFill>
@@ -1218,7 +1226,7 @@
             <a:fld id="{8F6BCBE8-30B0-4476-8762-9236B142003A}" type="datetimeFigureOut">
               <a:rPr lang="en-US" smtClean="0"/>
               <a:pPr/>
-              <a:t>9/23/2024</a:t>
+              <a:t>9/30/2024</a:t>
             </a:fld>
             <a:endParaRPr lang="en-US" sz="1100" dirty="0">
               <a:solidFill>
@@ -1403,7 +1411,7 @@
             <a:fld id="{8F6BCBE8-30B0-4476-8762-9236B142003A}" type="datetimeFigureOut">
               <a:rPr lang="en-US" smtClean="0"/>
               <a:pPr/>
-              <a:t>9/23/2024</a:t>
+              <a:t>9/30/2024</a:t>
             </a:fld>
             <a:endParaRPr lang="en-US" sz="1100" dirty="0">
               <a:solidFill>
@@ -1578,7 +1586,7 @@
             <a:fld id="{8F6BCBE8-30B0-4476-8762-9236B142003A}" type="datetimeFigureOut">
               <a:rPr lang="en-US" smtClean="0"/>
               <a:pPr/>
-              <a:t>9/23/2024</a:t>
+              <a:t>9/30/2024</a:t>
             </a:fld>
             <a:endParaRPr lang="en-US" sz="1100" dirty="0">
               <a:solidFill>
@@ -3036,7 +3044,7 @@
             <a:fld id="{8F6BCBE8-30B0-4476-8762-9236B142003A}" type="datetimeFigureOut">
               <a:rPr lang="en-US" smtClean="0"/>
               <a:pPr/>
-              <a:t>9/23/2024</a:t>
+              <a:t>9/30/2024</a:t>
             </a:fld>
             <a:endParaRPr lang="en-US" sz="1100" dirty="0">
               <a:solidFill>
@@ -3625,7 +3633,7 @@
             <a:fld id="{8F6BCBE8-30B0-4476-8762-9236B142003A}" type="datetimeFigureOut">
               <a:rPr lang="en-US" smtClean="0"/>
               <a:pPr/>
-              <a:t>9/23/2024</a:t>
+              <a:t>9/30/2024</a:t>
             </a:fld>
             <a:endParaRPr lang="en-US" sz="1100" dirty="0">
               <a:solidFill>
@@ -4064,7 +4072,7 @@
             <a:fld id="{8F6BCBE8-30B0-4476-8762-9236B142003A}" type="datetimeFigureOut">
               <a:rPr lang="en-US" smtClean="0"/>
               <a:pPr/>
-              <a:t>9/23/2024</a:t>
+              <a:t>9/30/2024</a:t>
             </a:fld>
             <a:endParaRPr lang="en-US" sz="1100" dirty="0">
               <a:solidFill>
@@ -4611,7 +4619,7 @@
             <a:fld id="{8F6BCBE8-30B0-4476-8762-9236B142003A}" type="datetimeFigureOut">
               <a:rPr lang="en-US" smtClean="0"/>
               <a:pPr/>
-              <a:t>9/23/2024</a:t>
+              <a:t>9/30/2024</a:t>
             </a:fld>
             <a:endParaRPr lang="en-US" sz="1100" dirty="0">
               <a:solidFill>
@@ -4712,7 +4720,7 @@
             <a:fld id="{8F6BCBE8-30B0-4476-8762-9236B142003A}" type="datetimeFigureOut">
               <a:rPr lang="en-US" smtClean="0"/>
               <a:pPr/>
-              <a:t>9/23/2024</a:t>
+              <a:t>9/30/2024</a:t>
             </a:fld>
             <a:endParaRPr lang="en-US" sz="1100" dirty="0">
               <a:solidFill>
@@ -4970,7 +4978,7 @@
             <a:fld id="{8F6BCBE8-30B0-4476-8762-9236B142003A}" type="datetimeFigureOut">
               <a:rPr lang="en-US" smtClean="0"/>
               <a:pPr/>
-              <a:t>9/23/2024</a:t>
+              <a:t>9/30/2024</a:t>
             </a:fld>
             <a:endParaRPr lang="en-US" sz="1100" dirty="0">
               <a:solidFill>
@@ -5692,7 +5700,7 @@
             <a:fld id="{8F6BCBE8-30B0-4476-8762-9236B142003A}" type="datetimeFigureOut">
               <a:rPr lang="en-US" smtClean="0"/>
               <a:pPr/>
-              <a:t>9/23/2024</a:t>
+              <a:t>9/30/2024</a:t>
             </a:fld>
             <a:endParaRPr lang="en-US" sz="1100" dirty="0">
               <a:solidFill>
@@ -6348,7 +6356,7 @@
             <a:fld id="{8F6BCBE8-30B0-4476-8762-9236B142003A}" type="datetimeFigureOut">
               <a:rPr lang="en-US" smtClean="0"/>
               <a:pPr/>
-              <a:t>9/23/2024</a:t>
+              <a:t>9/30/2024</a:t>
             </a:fld>
             <a:endParaRPr lang="en-US" sz="1100" dirty="0">
               <a:solidFill>
@@ -7488,6 +7496,1059 @@
 </p:sld>
 </file>
 
+<file path=ppt/slides/slide13.xml><?xml version="1.0" encoding="utf-8"?>
+<p:sld xmlns:a="http://schemas.openxmlformats.org/drawingml/2006/main" xmlns:r="http://schemas.openxmlformats.org/officeDocument/2006/relationships" xmlns:p="http://schemas.openxmlformats.org/presentationml/2006/main">
+  <p:cSld>
+    <p:spTree>
+      <p:nvGrpSpPr>
+        <p:cNvPr id="1" name=""/>
+        <p:cNvGrpSpPr/>
+        <p:nvPr/>
+      </p:nvGrpSpPr>
+      <p:grpSpPr>
+        <a:xfrm>
+          <a:off x="0" y="0"/>
+          <a:ext cx="0" cy="0"/>
+          <a:chOff x="0" y="0"/>
+          <a:chExt cx="0" cy="0"/>
+        </a:xfrm>
+      </p:grpSpPr>
+      <p:sp>
+        <p:nvSpPr>
+          <p:cNvPr id="2" name="Title 1">
+            <a:extLst>
+              <a:ext uri="{FF2B5EF4-FFF2-40B4-BE49-F238E27FC236}">
+                <a16:creationId xmlns:a16="http://schemas.microsoft.com/office/drawing/2014/main" id="{FE7D8B2D-E20C-8F97-D548-25A7395550F4}"/>
+              </a:ext>
+            </a:extLst>
+          </p:cNvPr>
+          <p:cNvSpPr>
+            <a:spLocks noGrp="1"/>
+          </p:cNvSpPr>
+          <p:nvPr>
+            <p:ph type="title"/>
+          </p:nvPr>
+        </p:nvSpPr>
+        <p:spPr/>
+        <p:txBody>
+          <a:bodyPr/>
+          <a:lstStyle/>
+          <a:p>
+            <a:r>
+              <a:rPr lang="en-CA" sz="3600" dirty="0"/>
+              <a:t>Map type and index</a:t>
+            </a:r>
+          </a:p>
+        </p:txBody>
+      </p:sp>
+      <p:sp>
+        <p:nvSpPr>
+          <p:cNvPr id="3" name="Content Placeholder 2">
+            <a:extLst>
+              <a:ext uri="{FF2B5EF4-FFF2-40B4-BE49-F238E27FC236}">
+                <a16:creationId xmlns:a16="http://schemas.microsoft.com/office/drawing/2014/main" id="{AB4134F9-4B81-F7AF-A39D-DC340F89C489}"/>
+              </a:ext>
+            </a:extLst>
+          </p:cNvPr>
+          <p:cNvSpPr>
+            <a:spLocks noGrp="1"/>
+          </p:cNvSpPr>
+          <p:nvPr>
+            <p:ph idx="1"/>
+          </p:nvPr>
+        </p:nvSpPr>
+        <p:spPr/>
+        <p:txBody>
+          <a:bodyPr>
+            <a:normAutofit fontScale="55000" lnSpcReduction="20000"/>
+          </a:bodyPr>
+          <a:lstStyle/>
+          <a:p>
+            <a:r>
+              <a:rPr lang="en-CA" sz="2800" dirty="0"/>
+              <a:t>std::map&lt; string, int &gt; </a:t>
+            </a:r>
+            <a:r>
+              <a:rPr lang="en-CA" sz="2800" dirty="0" err="1"/>
+              <a:t>myMap</a:t>
+            </a:r>
+            <a:endParaRPr lang="en-CA" sz="2800" dirty="0"/>
+          </a:p>
+          <a:p>
+            <a:pPr lvl="1"/>
+            <a:r>
+              <a:rPr lang="en-CA" sz="2400" dirty="0"/>
+              <a:t>Indexed by the string (1</a:t>
+            </a:r>
+            <a:r>
+              <a:rPr lang="en-CA" sz="2400" baseline="30000" dirty="0"/>
+              <a:t>st</a:t>
+            </a:r>
+            <a:r>
+              <a:rPr lang="en-CA" sz="2400" dirty="0"/>
+              <a:t> value)</a:t>
+            </a:r>
+          </a:p>
+          <a:p>
+            <a:pPr lvl="1"/>
+            <a:r>
+              <a:rPr lang="en-CA" sz="2400" dirty="0"/>
+              <a:t>Stores int (the 2</a:t>
+            </a:r>
+            <a:r>
+              <a:rPr lang="en-CA" sz="2400" baseline="30000" dirty="0"/>
+              <a:t>nd</a:t>
+            </a:r>
+            <a:r>
+              <a:rPr lang="en-CA" sz="2400" dirty="0"/>
+              <a:t> value)</a:t>
+            </a:r>
+          </a:p>
+          <a:p>
+            <a:r>
+              <a:rPr lang="en-CA" sz="2800" dirty="0" err="1"/>
+              <a:t>myMap</a:t>
+            </a:r>
+            <a:r>
+              <a:rPr lang="en-CA" sz="2800" dirty="0"/>
+              <a:t>[“text”] = 92;</a:t>
+            </a:r>
+          </a:p>
+          <a:p>
+            <a:r>
+              <a:rPr lang="en-CA" sz="2800" dirty="0"/>
+              <a:t>std::map&lt; string, string&gt; </a:t>
+            </a:r>
+            <a:r>
+              <a:rPr lang="en-CA" sz="2800" dirty="0" err="1"/>
+              <a:t>myDictonary</a:t>
+            </a:r>
+            <a:endParaRPr lang="en-CA" sz="2800" dirty="0"/>
+          </a:p>
+          <a:p>
+            <a:r>
+              <a:rPr lang="en-CA" sz="2800" b="1" dirty="0" err="1"/>
+              <a:t>myDictonary</a:t>
+            </a:r>
+            <a:r>
+              <a:rPr lang="en-CA" sz="2800" b="1" dirty="0"/>
+              <a:t>[“on fleek”] </a:t>
+            </a:r>
+            <a:r>
+              <a:rPr lang="en-CA" sz="2800" dirty="0"/>
+              <a:t>= “</a:t>
+            </a:r>
+            <a:r>
+              <a:rPr lang="en-US" sz="2800" dirty="0"/>
+              <a:t>A word used by those intent on decimating the English language, and further depleting the ever dwindling repository of individuals capable of intellectual conversation. For anyone who uses the term 'on fleek' I've added links to the big words to help you out. I have a terrible vocabulary because I am a high school dropout. I have difficulty expressing myself with actual words, so I compensate for my inadequacies by using made up words and hope that no one questions it. In the likely event that someone DOES question it, I will react as if they are laughably out of touch. My portrayal of an uneducated social media whore is on fleek.</a:t>
+            </a:r>
+            <a:r>
+              <a:rPr lang="en-CA" sz="2800" dirty="0"/>
+              <a:t>”</a:t>
+            </a:r>
+          </a:p>
+          <a:p>
+            <a:r>
+              <a:rPr lang="en-CA" sz="2800" dirty="0" err="1"/>
+              <a:t>cout</a:t>
+            </a:r>
+            <a:r>
+              <a:rPr lang="en-CA" sz="2800" dirty="0"/>
+              <a:t> &lt;&lt; </a:t>
+            </a:r>
+            <a:r>
+              <a:rPr lang="en-CA" sz="2800" dirty="0" err="1"/>
+              <a:t>myDictionary</a:t>
+            </a:r>
+            <a:r>
+              <a:rPr lang="en-CA" sz="2800" dirty="0"/>
+              <a:t>[“on fleek”]</a:t>
+            </a:r>
+          </a:p>
+        </p:txBody>
+      </p:sp>
+    </p:spTree>
+    <p:extLst>
+      <p:ext uri="{BB962C8B-B14F-4D97-AF65-F5344CB8AC3E}">
+        <p14:creationId xmlns:p14="http://schemas.microsoft.com/office/powerpoint/2010/main" val="941902976"/>
+      </p:ext>
+    </p:extLst>
+  </p:cSld>
+  <p:clrMapOvr>
+    <a:masterClrMapping/>
+  </p:clrMapOvr>
+</p:sld>
+</file>
+
+<file path=ppt/slides/slide14.xml><?xml version="1.0" encoding="utf-8"?>
+<p:sld xmlns:a="http://schemas.openxmlformats.org/drawingml/2006/main" xmlns:r="http://schemas.openxmlformats.org/officeDocument/2006/relationships" xmlns:p="http://schemas.openxmlformats.org/presentationml/2006/main">
+  <p:cSld>
+    <p:spTree>
+      <p:nvGrpSpPr>
+        <p:cNvPr id="1" name=""/>
+        <p:cNvGrpSpPr/>
+        <p:nvPr/>
+      </p:nvGrpSpPr>
+      <p:grpSpPr>
+        <a:xfrm>
+          <a:off x="0" y="0"/>
+          <a:ext cx="0" cy="0"/>
+          <a:chOff x="0" y="0"/>
+          <a:chExt cx="0" cy="0"/>
+        </a:xfrm>
+      </p:grpSpPr>
+      <p:sp>
+        <p:nvSpPr>
+          <p:cNvPr id="2" name="Title 1">
+            <a:extLst>
+              <a:ext uri="{FF2B5EF4-FFF2-40B4-BE49-F238E27FC236}">
+                <a16:creationId xmlns:a16="http://schemas.microsoft.com/office/drawing/2014/main" id="{FE7D8B2D-E20C-8F97-D548-25A7395550F4}"/>
+              </a:ext>
+            </a:extLst>
+          </p:cNvPr>
+          <p:cNvSpPr>
+            <a:spLocks noGrp="1"/>
+          </p:cNvSpPr>
+          <p:nvPr>
+            <p:ph type="title"/>
+          </p:nvPr>
+        </p:nvSpPr>
+        <p:spPr/>
+        <p:txBody>
+          <a:bodyPr/>
+          <a:lstStyle/>
+          <a:p>
+            <a:r>
+              <a:rPr lang="en-CA" sz="3600" dirty="0"/>
+              <a:t>Map type and index</a:t>
+            </a:r>
+          </a:p>
+        </p:txBody>
+      </p:sp>
+      <p:sp>
+        <p:nvSpPr>
+          <p:cNvPr id="3" name="Content Placeholder 2">
+            <a:extLst>
+              <a:ext uri="{FF2B5EF4-FFF2-40B4-BE49-F238E27FC236}">
+                <a16:creationId xmlns:a16="http://schemas.microsoft.com/office/drawing/2014/main" id="{AB4134F9-4B81-F7AF-A39D-DC340F89C489}"/>
+              </a:ext>
+            </a:extLst>
+          </p:cNvPr>
+          <p:cNvSpPr>
+            <a:spLocks noGrp="1"/>
+          </p:cNvSpPr>
+          <p:nvPr>
+            <p:ph idx="1"/>
+          </p:nvPr>
+        </p:nvSpPr>
+        <p:spPr/>
+        <p:txBody>
+          <a:bodyPr>
+            <a:normAutofit lnSpcReduction="10000"/>
+          </a:bodyPr>
+          <a:lstStyle/>
+          <a:p>
+            <a:r>
+              <a:rPr lang="en-CA" sz="2800" b="1" dirty="0" err="1"/>
+              <a:t>myDictonary</a:t>
+            </a:r>
+            <a:r>
+              <a:rPr lang="en-CA" sz="2800" b="1" dirty="0"/>
+              <a:t>[“on fleek”] </a:t>
+            </a:r>
+            <a:r>
+              <a:rPr lang="en-CA" sz="2800" dirty="0"/>
+              <a:t>= “</a:t>
+            </a:r>
+            <a:r>
+              <a:rPr lang="en-US" sz="2800" dirty="0"/>
+              <a:t>A word used by …..</a:t>
+            </a:r>
+            <a:r>
+              <a:rPr lang="en-CA" sz="2800" dirty="0"/>
+              <a:t>”</a:t>
+            </a:r>
+          </a:p>
+          <a:p>
+            <a:r>
+              <a:rPr lang="en-CA" sz="2800" b="1" dirty="0" err="1"/>
+              <a:t>myDictonary</a:t>
+            </a:r>
+            <a:r>
+              <a:rPr lang="en-CA" sz="2800" b="1" dirty="0"/>
+              <a:t>[“on fleek”] </a:t>
+            </a:r>
+            <a:r>
+              <a:rPr lang="en-CA" sz="2800" dirty="0"/>
+              <a:t>= “</a:t>
+            </a:r>
+            <a:r>
+              <a:rPr lang="en-US" sz="2800" dirty="0"/>
+              <a:t>lame</a:t>
+            </a:r>
+            <a:r>
+              <a:rPr lang="en-CA" sz="2800" dirty="0"/>
+              <a:t>”</a:t>
+            </a:r>
+          </a:p>
+          <a:p>
+            <a:r>
+              <a:rPr lang="en-CA" sz="2800" dirty="0"/>
+              <a:t>…Sometimes we want multiple items at the same index.</a:t>
+            </a:r>
+          </a:p>
+          <a:p>
+            <a:r>
+              <a:rPr lang="en-CA" sz="2800" dirty="0" err="1"/>
+              <a:t>myHouse</a:t>
+            </a:r>
+            <a:r>
+              <a:rPr lang="en-CA" sz="2800" dirty="0"/>
+              <a:t>[“Feeney”] = me</a:t>
+            </a:r>
+          </a:p>
+          <a:p>
+            <a:r>
+              <a:rPr lang="en-CA" sz="2800" dirty="0" err="1"/>
+              <a:t>myHouse</a:t>
+            </a:r>
+            <a:r>
+              <a:rPr lang="en-CA" sz="2800" dirty="0"/>
+              <a:t>[“Feeney”] = kid#1</a:t>
+            </a:r>
+          </a:p>
+          <a:p>
+            <a:r>
+              <a:rPr lang="en-CA" sz="2800" dirty="0"/>
+              <a:t>In that case, you can use a “multi-map”</a:t>
+            </a:r>
+          </a:p>
+          <a:p>
+            <a:endParaRPr lang="en-CA" sz="2800" dirty="0"/>
+          </a:p>
+        </p:txBody>
+      </p:sp>
+    </p:spTree>
+    <p:extLst>
+      <p:ext uri="{BB962C8B-B14F-4D97-AF65-F5344CB8AC3E}">
+        <p14:creationId xmlns:p14="http://schemas.microsoft.com/office/powerpoint/2010/main" val="33234755"/>
+      </p:ext>
+    </p:extLst>
+  </p:cSld>
+  <p:clrMapOvr>
+    <a:masterClrMapping/>
+  </p:clrMapOvr>
+</p:sld>
+</file>
+
+<file path=ppt/slides/slide15.xml><?xml version="1.0" encoding="utf-8"?>
+<p:sld xmlns:a="http://schemas.openxmlformats.org/drawingml/2006/main" xmlns:r="http://schemas.openxmlformats.org/officeDocument/2006/relationships" xmlns:p="http://schemas.openxmlformats.org/presentationml/2006/main">
+  <p:cSld>
+    <p:spTree>
+      <p:nvGrpSpPr>
+        <p:cNvPr id="1" name=""/>
+        <p:cNvGrpSpPr/>
+        <p:nvPr/>
+      </p:nvGrpSpPr>
+      <p:grpSpPr>
+        <a:xfrm>
+          <a:off x="0" y="0"/>
+          <a:ext cx="0" cy="0"/>
+          <a:chOff x="0" y="0"/>
+          <a:chExt cx="0" cy="0"/>
+        </a:xfrm>
+      </p:grpSpPr>
+      <p:sp>
+        <p:nvSpPr>
+          <p:cNvPr id="2" name="Title 1">
+            <a:extLst>
+              <a:ext uri="{FF2B5EF4-FFF2-40B4-BE49-F238E27FC236}">
+                <a16:creationId xmlns:a16="http://schemas.microsoft.com/office/drawing/2014/main" id="{FE7D8B2D-E20C-8F97-D548-25A7395550F4}"/>
+              </a:ext>
+            </a:extLst>
+          </p:cNvPr>
+          <p:cNvSpPr>
+            <a:spLocks noGrp="1"/>
+          </p:cNvSpPr>
+          <p:nvPr>
+            <p:ph type="title"/>
+          </p:nvPr>
+        </p:nvSpPr>
+        <p:spPr/>
+        <p:txBody>
+          <a:bodyPr/>
+          <a:lstStyle/>
+          <a:p>
+            <a:r>
+              <a:rPr lang="en-CA" sz="3600" dirty="0"/>
+              <a:t>Map vs multi-map</a:t>
+            </a:r>
+          </a:p>
+        </p:txBody>
+      </p:sp>
+      <p:sp>
+        <p:nvSpPr>
+          <p:cNvPr id="3" name="Content Placeholder 2">
+            <a:extLst>
+              <a:ext uri="{FF2B5EF4-FFF2-40B4-BE49-F238E27FC236}">
+                <a16:creationId xmlns:a16="http://schemas.microsoft.com/office/drawing/2014/main" id="{AB4134F9-4B81-F7AF-A39D-DC340F89C489}"/>
+              </a:ext>
+            </a:extLst>
+          </p:cNvPr>
+          <p:cNvSpPr>
+            <a:spLocks noGrp="1"/>
+          </p:cNvSpPr>
+          <p:nvPr>
+            <p:ph idx="1"/>
+          </p:nvPr>
+        </p:nvSpPr>
+        <p:spPr/>
+        <p:txBody>
+          <a:bodyPr>
+            <a:normAutofit/>
+          </a:bodyPr>
+          <a:lstStyle/>
+          <a:p>
+            <a:r>
+              <a:rPr lang="en-CA" sz="2800" dirty="0" err="1"/>
+              <a:t>myHouse</a:t>
+            </a:r>
+            <a:r>
+              <a:rPr lang="en-CA" sz="2800" dirty="0"/>
+              <a:t>[“Feeney”] = me</a:t>
+            </a:r>
+          </a:p>
+          <a:p>
+            <a:r>
+              <a:rPr lang="en-CA" sz="2800" dirty="0" err="1"/>
+              <a:t>myHouse</a:t>
+            </a:r>
+            <a:r>
+              <a:rPr lang="en-CA" sz="2800" dirty="0"/>
+              <a:t>[“Feeney”] = kid#1</a:t>
+            </a:r>
+          </a:p>
+          <a:p>
+            <a:r>
+              <a:rPr lang="en-CA" sz="2800" dirty="0" err="1"/>
+              <a:t>myHouse</a:t>
+            </a:r>
+            <a:r>
+              <a:rPr lang="en-CA" sz="2800"/>
+              <a:t>[“Feeney”] = kid#2</a:t>
+            </a:r>
+            <a:endParaRPr lang="en-CA" sz="2800" dirty="0"/>
+          </a:p>
+          <a:p>
+            <a:r>
+              <a:rPr lang="en-CA" sz="2800" dirty="0"/>
+              <a:t>When I do the find() the iterator returns 1</a:t>
+            </a:r>
+            <a:r>
+              <a:rPr lang="en-CA" sz="2800" baseline="30000" dirty="0"/>
+              <a:t>st</a:t>
+            </a:r>
+            <a:r>
+              <a:rPr lang="en-CA" sz="2800" dirty="0"/>
+              <a:t> and 2</a:t>
+            </a:r>
+            <a:r>
+              <a:rPr lang="en-CA" sz="2800" baseline="30000" dirty="0"/>
+              <a:t>nd</a:t>
+            </a:r>
+            <a:r>
+              <a:rPr lang="en-CA" sz="2800" dirty="0"/>
+              <a:t>, but the 2</a:t>
+            </a:r>
+            <a:r>
+              <a:rPr lang="en-CA" sz="2800" baseline="30000" dirty="0"/>
+              <a:t>nd</a:t>
+            </a:r>
+            <a:r>
+              <a:rPr lang="en-CA" sz="2800" dirty="0"/>
+              <a:t> is a vector</a:t>
+            </a:r>
+          </a:p>
+          <a:p>
+            <a:endParaRPr lang="en-CA" sz="2800" dirty="0"/>
+          </a:p>
+        </p:txBody>
+      </p:sp>
+    </p:spTree>
+    <p:extLst>
+      <p:ext uri="{BB962C8B-B14F-4D97-AF65-F5344CB8AC3E}">
+        <p14:creationId xmlns:p14="http://schemas.microsoft.com/office/powerpoint/2010/main" val="2486528921"/>
+      </p:ext>
+    </p:extLst>
+  </p:cSld>
+  <p:clrMapOvr>
+    <a:masterClrMapping/>
+  </p:clrMapOvr>
+</p:sld>
+</file>
+
+<file path=ppt/slides/slide16.xml><?xml version="1.0" encoding="utf-8"?>
+<p:sld xmlns:a="http://schemas.openxmlformats.org/drawingml/2006/main" xmlns:r="http://schemas.openxmlformats.org/officeDocument/2006/relationships" xmlns:p="http://schemas.openxmlformats.org/presentationml/2006/main">
+  <p:cSld>
+    <p:spTree>
+      <p:nvGrpSpPr>
+        <p:cNvPr id="1" name=""/>
+        <p:cNvGrpSpPr/>
+        <p:nvPr/>
+      </p:nvGrpSpPr>
+      <p:grpSpPr>
+        <a:xfrm>
+          <a:off x="0" y="0"/>
+          <a:ext cx="0" cy="0"/>
+          <a:chOff x="0" y="0"/>
+          <a:chExt cx="0" cy="0"/>
+        </a:xfrm>
+      </p:grpSpPr>
+      <p:sp>
+        <p:nvSpPr>
+          <p:cNvPr id="2" name="Title 1">
+            <a:extLst>
+              <a:ext uri="{FF2B5EF4-FFF2-40B4-BE49-F238E27FC236}">
+                <a16:creationId xmlns:a16="http://schemas.microsoft.com/office/drawing/2014/main" id="{FE7D8B2D-E20C-8F97-D548-25A7395550F4}"/>
+              </a:ext>
+            </a:extLst>
+          </p:cNvPr>
+          <p:cNvSpPr>
+            <a:spLocks noGrp="1"/>
+          </p:cNvSpPr>
+          <p:nvPr>
+            <p:ph type="title"/>
+          </p:nvPr>
+        </p:nvSpPr>
+        <p:spPr/>
+        <p:txBody>
+          <a:bodyPr/>
+          <a:lstStyle/>
+          <a:p>
+            <a:r>
+              <a:rPr lang="en-CA" sz="3600" dirty="0"/>
+              <a:t>Map type and index</a:t>
+            </a:r>
+          </a:p>
+        </p:txBody>
+      </p:sp>
+      <p:sp>
+        <p:nvSpPr>
+          <p:cNvPr id="3" name="Content Placeholder 2">
+            <a:extLst>
+              <a:ext uri="{FF2B5EF4-FFF2-40B4-BE49-F238E27FC236}">
+                <a16:creationId xmlns:a16="http://schemas.microsoft.com/office/drawing/2014/main" id="{AB4134F9-4B81-F7AF-A39D-DC340F89C489}"/>
+              </a:ext>
+            </a:extLst>
+          </p:cNvPr>
+          <p:cNvSpPr>
+            <a:spLocks noGrp="1"/>
+          </p:cNvSpPr>
+          <p:nvPr>
+            <p:ph idx="1"/>
+          </p:nvPr>
+        </p:nvSpPr>
+        <p:spPr/>
+        <p:txBody>
+          <a:bodyPr>
+            <a:normAutofit/>
+          </a:bodyPr>
+          <a:lstStyle/>
+          <a:p>
+            <a:r>
+              <a:rPr lang="en-CA" sz="2800" dirty="0"/>
+              <a:t>std::map&lt; string, string&gt; </a:t>
+            </a:r>
+            <a:r>
+              <a:rPr lang="en-CA" sz="2800" dirty="0" err="1"/>
+              <a:t>myDictonary</a:t>
+            </a:r>
+            <a:endParaRPr lang="en-CA" sz="2800" dirty="0"/>
+          </a:p>
+          <a:p>
+            <a:r>
+              <a:rPr lang="en-CA" sz="2800" dirty="0" err="1"/>
+              <a:t>cout</a:t>
+            </a:r>
+            <a:r>
+              <a:rPr lang="en-CA" sz="2800" dirty="0"/>
+              <a:t> &lt;&lt; </a:t>
+            </a:r>
+            <a:r>
+              <a:rPr lang="en-CA" sz="2800" dirty="0" err="1"/>
+              <a:t>myDictionary</a:t>
+            </a:r>
+            <a:r>
+              <a:rPr lang="en-CA" sz="2800" dirty="0"/>
+              <a:t>[“on </a:t>
+            </a:r>
+            <a:r>
+              <a:rPr lang="en-CA" sz="2800" dirty="0" err="1"/>
+              <a:t>fleek</a:t>
+            </a:r>
+            <a:r>
+              <a:rPr lang="en-CA" sz="2800" b="1" u="sng" dirty="0" err="1"/>
+              <a:t>z</a:t>
+            </a:r>
+            <a:r>
+              <a:rPr lang="en-CA" sz="2800" b="1" u="sng" dirty="0"/>
+              <a:t>!</a:t>
+            </a:r>
+            <a:r>
+              <a:rPr lang="en-CA" sz="2800" dirty="0"/>
+              <a:t>”]</a:t>
+            </a:r>
+          </a:p>
+          <a:p>
+            <a:r>
+              <a:rPr lang="en-CA" sz="2800" dirty="0"/>
+              <a:t>It’s NOT in the map, so what happens?</a:t>
+            </a:r>
+          </a:p>
+          <a:p>
+            <a:pPr lvl="1"/>
+            <a:r>
+              <a:rPr lang="en-CA" sz="2400" dirty="0"/>
+              <a:t>You get an out of bounds exception/error</a:t>
+            </a:r>
+            <a:br>
+              <a:rPr lang="en-CA" sz="2400" dirty="0"/>
+            </a:br>
+            <a:r>
+              <a:rPr lang="en-CA" sz="2400" dirty="0"/>
+              <a:t>(Just like if you went outside the bounds of an array)</a:t>
+            </a:r>
+          </a:p>
+        </p:txBody>
+      </p:sp>
+    </p:spTree>
+    <p:extLst>
+      <p:ext uri="{BB962C8B-B14F-4D97-AF65-F5344CB8AC3E}">
+        <p14:creationId xmlns:p14="http://schemas.microsoft.com/office/powerpoint/2010/main" val="3204135496"/>
+      </p:ext>
+    </p:extLst>
+  </p:cSld>
+  <p:clrMapOvr>
+    <a:masterClrMapping/>
+  </p:clrMapOvr>
+</p:sld>
+</file>
+
+<file path=ppt/slides/slide17.xml><?xml version="1.0" encoding="utf-8"?>
+<p:sld xmlns:a="http://schemas.openxmlformats.org/drawingml/2006/main" xmlns:r="http://schemas.openxmlformats.org/officeDocument/2006/relationships" xmlns:p="http://schemas.openxmlformats.org/presentationml/2006/main">
+  <p:cSld>
+    <p:spTree>
+      <p:nvGrpSpPr>
+        <p:cNvPr id="1" name=""/>
+        <p:cNvGrpSpPr/>
+        <p:nvPr/>
+      </p:nvGrpSpPr>
+      <p:grpSpPr>
+        <a:xfrm>
+          <a:off x="0" y="0"/>
+          <a:ext cx="0" cy="0"/>
+          <a:chOff x="0" y="0"/>
+          <a:chExt cx="0" cy="0"/>
+        </a:xfrm>
+      </p:grpSpPr>
+      <p:sp>
+        <p:nvSpPr>
+          <p:cNvPr id="2" name="Title 1">
+            <a:extLst>
+              <a:ext uri="{FF2B5EF4-FFF2-40B4-BE49-F238E27FC236}">
+                <a16:creationId xmlns:a16="http://schemas.microsoft.com/office/drawing/2014/main" id="{FE7D8B2D-E20C-8F97-D548-25A7395550F4}"/>
+              </a:ext>
+            </a:extLst>
+          </p:cNvPr>
+          <p:cNvSpPr>
+            <a:spLocks noGrp="1"/>
+          </p:cNvSpPr>
+          <p:nvPr>
+            <p:ph type="title"/>
+          </p:nvPr>
+        </p:nvSpPr>
+        <p:spPr/>
+        <p:txBody>
+          <a:bodyPr/>
+          <a:lstStyle/>
+          <a:p>
+            <a:r>
+              <a:rPr lang="en-CA" sz="3600" dirty="0"/>
+              <a:t>Map type and index</a:t>
+            </a:r>
+          </a:p>
+        </p:txBody>
+      </p:sp>
+      <p:sp>
+        <p:nvSpPr>
+          <p:cNvPr id="3" name="Content Placeholder 2">
+            <a:extLst>
+              <a:ext uri="{FF2B5EF4-FFF2-40B4-BE49-F238E27FC236}">
+                <a16:creationId xmlns:a16="http://schemas.microsoft.com/office/drawing/2014/main" id="{AB4134F9-4B81-F7AF-A39D-DC340F89C489}"/>
+              </a:ext>
+            </a:extLst>
+          </p:cNvPr>
+          <p:cNvSpPr>
+            <a:spLocks noGrp="1"/>
+          </p:cNvSpPr>
+          <p:nvPr>
+            <p:ph idx="1"/>
+          </p:nvPr>
+        </p:nvSpPr>
+        <p:spPr/>
+        <p:txBody>
+          <a:bodyPr>
+            <a:normAutofit/>
+          </a:bodyPr>
+          <a:lstStyle/>
+          <a:p>
+            <a:r>
+              <a:rPr lang="en-CA" sz="2800" dirty="0"/>
+              <a:t>std::map&lt; string, string&gt; </a:t>
+            </a:r>
+            <a:r>
+              <a:rPr lang="en-CA" sz="2800" dirty="0" err="1"/>
+              <a:t>myDictonary</a:t>
+            </a:r>
+            <a:endParaRPr lang="en-CA" sz="2800" dirty="0"/>
+          </a:p>
+          <a:p>
+            <a:r>
+              <a:rPr lang="en-CA" sz="2800" dirty="0" err="1"/>
+              <a:t>cout</a:t>
+            </a:r>
+            <a:r>
+              <a:rPr lang="en-CA" sz="2800" dirty="0"/>
+              <a:t> &lt;&lt; </a:t>
+            </a:r>
+            <a:r>
+              <a:rPr lang="en-CA" sz="2800" dirty="0" err="1"/>
+              <a:t>myDictionary</a:t>
+            </a:r>
+            <a:r>
+              <a:rPr lang="en-CA" sz="2800" dirty="0"/>
+              <a:t>[“on </a:t>
+            </a:r>
+            <a:r>
+              <a:rPr lang="en-CA" sz="2800" dirty="0" err="1"/>
+              <a:t>fleek</a:t>
+            </a:r>
+            <a:r>
+              <a:rPr lang="en-CA" sz="2800" b="1" u="sng" dirty="0" err="1"/>
+              <a:t>z</a:t>
+            </a:r>
+            <a:r>
+              <a:rPr lang="en-CA" sz="2800" b="1" u="sng" dirty="0"/>
+              <a:t>!</a:t>
+            </a:r>
+            <a:r>
+              <a:rPr lang="en-CA" sz="2800" dirty="0"/>
+              <a:t>”]</a:t>
+            </a:r>
+          </a:p>
+          <a:p>
+            <a:r>
+              <a:rPr lang="en-CA" sz="2800" dirty="0"/>
+              <a:t>iterator it = </a:t>
+            </a:r>
+            <a:r>
+              <a:rPr lang="en-CA" sz="2800" dirty="0" err="1"/>
+              <a:t>myDictionary.</a:t>
+            </a:r>
+            <a:r>
+              <a:rPr lang="en-CA" sz="2800" b="1" u="sng" dirty="0" err="1"/>
+              <a:t>find</a:t>
+            </a:r>
+            <a:r>
+              <a:rPr lang="en-CA" sz="2800" dirty="0"/>
+              <a:t>(“on </a:t>
+            </a:r>
+            <a:r>
+              <a:rPr lang="en-CA" sz="2800" dirty="0" err="1"/>
+              <a:t>fleekz</a:t>
+            </a:r>
+            <a:r>
+              <a:rPr lang="en-CA" sz="2800" dirty="0"/>
+              <a:t>!”)</a:t>
+            </a:r>
+          </a:p>
+          <a:p>
+            <a:r>
+              <a:rPr lang="en-CA" sz="2800" dirty="0"/>
+              <a:t>*it : don’t get what you think (with a map)</a:t>
+            </a:r>
+          </a:p>
+          <a:p>
+            <a:r>
+              <a:rPr lang="en-CA" sz="2800" dirty="0"/>
+              <a:t>Has two items: it-&gt;first, it-&gt;second</a:t>
+            </a:r>
+          </a:p>
+          <a:p>
+            <a:r>
+              <a:rPr lang="en-CA" sz="2800" dirty="0" err="1"/>
+              <a:t>cout</a:t>
+            </a:r>
+            <a:r>
+              <a:rPr lang="en-CA" sz="2800" dirty="0"/>
+              <a:t> &lt;&lt; it-&gt;second() </a:t>
+            </a:r>
+            <a:endParaRPr lang="en-CA" sz="2400" dirty="0"/>
+          </a:p>
+        </p:txBody>
+      </p:sp>
+    </p:spTree>
+    <p:extLst>
+      <p:ext uri="{BB962C8B-B14F-4D97-AF65-F5344CB8AC3E}">
+        <p14:creationId xmlns:p14="http://schemas.microsoft.com/office/powerpoint/2010/main" val="677516199"/>
+      </p:ext>
+    </p:extLst>
+  </p:cSld>
+  <p:clrMapOvr>
+    <a:masterClrMapping/>
+  </p:clrMapOvr>
+</p:sld>
+</file>
+
+<file path=ppt/slides/slide18.xml><?xml version="1.0" encoding="utf-8"?>
+<p:sld xmlns:a="http://schemas.openxmlformats.org/drawingml/2006/main" xmlns:r="http://schemas.openxmlformats.org/officeDocument/2006/relationships" xmlns:p="http://schemas.openxmlformats.org/presentationml/2006/main">
+  <p:cSld>
+    <p:spTree>
+      <p:nvGrpSpPr>
+        <p:cNvPr id="1" name=""/>
+        <p:cNvGrpSpPr/>
+        <p:nvPr/>
+      </p:nvGrpSpPr>
+      <p:grpSpPr>
+        <a:xfrm>
+          <a:off x="0" y="0"/>
+          <a:ext cx="0" cy="0"/>
+          <a:chOff x="0" y="0"/>
+          <a:chExt cx="0" cy="0"/>
+        </a:xfrm>
+      </p:grpSpPr>
+      <p:sp>
+        <p:nvSpPr>
+          <p:cNvPr id="2" name="Title 1">
+            <a:extLst>
+              <a:ext uri="{FF2B5EF4-FFF2-40B4-BE49-F238E27FC236}">
+                <a16:creationId xmlns:a16="http://schemas.microsoft.com/office/drawing/2014/main" id="{FE7D8B2D-E20C-8F97-D548-25A7395550F4}"/>
+              </a:ext>
+            </a:extLst>
+          </p:cNvPr>
+          <p:cNvSpPr>
+            <a:spLocks noGrp="1"/>
+          </p:cNvSpPr>
+          <p:nvPr>
+            <p:ph type="title"/>
+          </p:nvPr>
+        </p:nvSpPr>
+        <p:spPr/>
+        <p:txBody>
+          <a:bodyPr/>
+          <a:lstStyle/>
+          <a:p>
+            <a:r>
+              <a:rPr lang="en-CA" sz="3600" dirty="0"/>
+              <a:t>Map type and index</a:t>
+            </a:r>
+          </a:p>
+        </p:txBody>
+      </p:sp>
+      <p:sp>
+        <p:nvSpPr>
+          <p:cNvPr id="3" name="Content Placeholder 2">
+            <a:extLst>
+              <a:ext uri="{FF2B5EF4-FFF2-40B4-BE49-F238E27FC236}">
+                <a16:creationId xmlns:a16="http://schemas.microsoft.com/office/drawing/2014/main" id="{AB4134F9-4B81-F7AF-A39D-DC340F89C489}"/>
+              </a:ext>
+            </a:extLst>
+          </p:cNvPr>
+          <p:cNvSpPr>
+            <a:spLocks noGrp="1"/>
+          </p:cNvSpPr>
+          <p:nvPr>
+            <p:ph idx="1"/>
+          </p:nvPr>
+        </p:nvSpPr>
+        <p:spPr/>
+        <p:txBody>
+          <a:bodyPr>
+            <a:normAutofit fontScale="92500"/>
+          </a:bodyPr>
+          <a:lstStyle/>
+          <a:p>
+            <a:r>
+              <a:rPr lang="en-CA" sz="2800" dirty="0"/>
+              <a:t>Iterators on maps behave like other iterators, so you can loop through them with .begin() and .end().</a:t>
+            </a:r>
+          </a:p>
+          <a:p>
+            <a:r>
+              <a:rPr lang="en-CA" sz="2800" dirty="0"/>
+              <a:t>Also many of the algorithm library things will work on a map</a:t>
+            </a:r>
+          </a:p>
+          <a:p>
+            <a:r>
+              <a:rPr lang="en-CA" sz="2800" dirty="0"/>
+              <a:t>BUT, if the container has a matching method, you almost always use the containers:</a:t>
+            </a:r>
+          </a:p>
+          <a:p>
+            <a:pPr lvl="1"/>
+            <a:r>
+              <a:rPr lang="en-CA" sz="2000" dirty="0"/>
+              <a:t>std::find() 	    vector, list, etc. DON’T have a find </a:t>
+            </a:r>
+          </a:p>
+          <a:p>
+            <a:pPr lvl="1"/>
+            <a:r>
+              <a:rPr lang="en-CA" sz="2000" dirty="0"/>
+              <a:t>std::map DOES have a find() on it, so use the maps find()</a:t>
+            </a:r>
+          </a:p>
+        </p:txBody>
+      </p:sp>
+    </p:spTree>
+    <p:extLst>
+      <p:ext uri="{BB962C8B-B14F-4D97-AF65-F5344CB8AC3E}">
+        <p14:creationId xmlns:p14="http://schemas.microsoft.com/office/powerpoint/2010/main" val="1570110314"/>
+      </p:ext>
+    </p:extLst>
+  </p:cSld>
+  <p:clrMapOvr>
+    <a:masterClrMapping/>
+  </p:clrMapOvr>
+</p:sld>
+</file>
+
+<file path=ppt/slides/slide19.xml><?xml version="1.0" encoding="utf-8"?>
+<p:sld xmlns:a="http://schemas.openxmlformats.org/drawingml/2006/main" xmlns:r="http://schemas.openxmlformats.org/officeDocument/2006/relationships" xmlns:p="http://schemas.openxmlformats.org/presentationml/2006/main">
+  <p:cSld>
+    <p:spTree>
+      <p:nvGrpSpPr>
+        <p:cNvPr id="1" name=""/>
+        <p:cNvGrpSpPr/>
+        <p:nvPr/>
+      </p:nvGrpSpPr>
+      <p:grpSpPr>
+        <a:xfrm>
+          <a:off x="0" y="0"/>
+          <a:ext cx="0" cy="0"/>
+          <a:chOff x="0" y="0"/>
+          <a:chExt cx="0" cy="0"/>
+        </a:xfrm>
+      </p:grpSpPr>
+      <p:sp>
+        <p:nvSpPr>
+          <p:cNvPr id="2" name="Title 1">
+            <a:extLst>
+              <a:ext uri="{FF2B5EF4-FFF2-40B4-BE49-F238E27FC236}">
+                <a16:creationId xmlns:a16="http://schemas.microsoft.com/office/drawing/2014/main" id="{4F22D561-88E6-2604-2E7E-3A24A47EC217}"/>
+              </a:ext>
+            </a:extLst>
+          </p:cNvPr>
+          <p:cNvSpPr>
+            <a:spLocks noGrp="1"/>
+          </p:cNvSpPr>
+          <p:nvPr>
+            <p:ph type="title"/>
+          </p:nvPr>
+        </p:nvSpPr>
+        <p:spPr/>
+        <p:txBody>
+          <a:bodyPr/>
+          <a:lstStyle/>
+          <a:p>
+            <a:r>
+              <a:rPr lang="en-CA" dirty="0"/>
+              <a:t>std::list  </a:t>
+            </a:r>
+            <a:r>
+              <a:rPr lang="en-CA" dirty="0">
+                <a:sym typeface="Wingdings" panose="05000000000000000000" pitchFamily="2" charset="2"/>
+              </a:rPr>
+              <a:t> “lined list”</a:t>
+            </a:r>
+            <a:endParaRPr lang="en-CA" dirty="0"/>
+          </a:p>
+        </p:txBody>
+      </p:sp>
+      <p:sp>
+        <p:nvSpPr>
+          <p:cNvPr id="3" name="Content Placeholder 2">
+            <a:extLst>
+              <a:ext uri="{FF2B5EF4-FFF2-40B4-BE49-F238E27FC236}">
+                <a16:creationId xmlns:a16="http://schemas.microsoft.com/office/drawing/2014/main" id="{07AC5D56-ACAA-387D-B495-3D3D9920EB6E}"/>
+              </a:ext>
+            </a:extLst>
+          </p:cNvPr>
+          <p:cNvSpPr>
+            <a:spLocks noGrp="1"/>
+          </p:cNvSpPr>
+          <p:nvPr>
+            <p:ph idx="1"/>
+          </p:nvPr>
+        </p:nvSpPr>
+        <p:spPr/>
+        <p:txBody>
+          <a:bodyPr>
+            <a:normAutofit fontScale="92500" lnSpcReduction="10000"/>
+          </a:bodyPr>
+          <a:lstStyle/>
+          <a:p>
+            <a:r>
+              <a:rPr lang="en-CA" dirty="0"/>
+              <a:t>Specifically, a “doubly linked list”</a:t>
+            </a:r>
+          </a:p>
+          <a:p>
+            <a:r>
+              <a:rPr lang="en-CA" dirty="0"/>
+              <a:t>Why use this strange structure (instead of a vector or map)?</a:t>
+            </a:r>
+          </a:p>
+          <a:p>
+            <a:r>
+              <a:rPr lang="en-CA" dirty="0"/>
+              <a:t>PHP -&gt; Only has maps</a:t>
+            </a:r>
+          </a:p>
+          <a:p>
+            <a:r>
+              <a:rPr lang="en-CA" dirty="0"/>
+              <a:t>Slow to search</a:t>
+            </a:r>
+          </a:p>
+          <a:p>
+            <a:r>
+              <a:rPr lang="en-CA" dirty="0"/>
+              <a:t>Hard to back backwards (with singly linked list)</a:t>
+            </a:r>
+          </a:p>
+          <a:p>
+            <a:r>
+              <a:rPr lang="en-CA" dirty="0"/>
+              <a:t>Very cache unfriendly </a:t>
+            </a:r>
+          </a:p>
+        </p:txBody>
+      </p:sp>
+    </p:spTree>
+    <p:extLst>
+      <p:ext uri="{BB962C8B-B14F-4D97-AF65-F5344CB8AC3E}">
+        <p14:creationId xmlns:p14="http://schemas.microsoft.com/office/powerpoint/2010/main" val="543241118"/>
+      </p:ext>
+    </p:extLst>
+  </p:cSld>
+  <p:clrMapOvr>
+    <a:masterClrMapping/>
+  </p:clrMapOvr>
+</p:sld>
+</file>
+
 <file path=ppt/slides/slide2.xml><?xml version="1.0" encoding="utf-8"?>
 <p:sld xmlns:a="http://schemas.openxmlformats.org/drawingml/2006/main" xmlns:r="http://schemas.openxmlformats.org/officeDocument/2006/relationships" xmlns:p="http://schemas.openxmlformats.org/presentationml/2006/main">
   <p:cSld>
@@ -7694,6 +8755,148 @@
     <p:extLst>
       <p:ext uri="{BB962C8B-B14F-4D97-AF65-F5344CB8AC3E}">
         <p14:creationId xmlns:p14="http://schemas.microsoft.com/office/powerpoint/2010/main" val="528976331"/>
+      </p:ext>
+    </p:extLst>
+  </p:cSld>
+  <p:clrMapOvr>
+    <a:masterClrMapping/>
+  </p:clrMapOvr>
+</p:sld>
+</file>
+
+<file path=ppt/slides/slide20.xml><?xml version="1.0" encoding="utf-8"?>
+<p:sld xmlns:a="http://schemas.openxmlformats.org/drawingml/2006/main" xmlns:r="http://schemas.openxmlformats.org/officeDocument/2006/relationships" xmlns:p="http://schemas.openxmlformats.org/presentationml/2006/main">
+  <p:cSld>
+    <p:spTree>
+      <p:nvGrpSpPr>
+        <p:cNvPr id="1" name=""/>
+        <p:cNvGrpSpPr/>
+        <p:nvPr/>
+      </p:nvGrpSpPr>
+      <p:grpSpPr>
+        <a:xfrm>
+          <a:off x="0" y="0"/>
+          <a:ext cx="0" cy="0"/>
+          <a:chOff x="0" y="0"/>
+          <a:chExt cx="0" cy="0"/>
+        </a:xfrm>
+      </p:grpSpPr>
+      <p:sp>
+        <p:nvSpPr>
+          <p:cNvPr id="2" name="Title 1">
+            <a:extLst>
+              <a:ext uri="{FF2B5EF4-FFF2-40B4-BE49-F238E27FC236}">
+                <a16:creationId xmlns:a16="http://schemas.microsoft.com/office/drawing/2014/main" id="{4F22D561-88E6-2604-2E7E-3A24A47EC217}"/>
+              </a:ext>
+            </a:extLst>
+          </p:cNvPr>
+          <p:cNvSpPr>
+            <a:spLocks noGrp="1"/>
+          </p:cNvSpPr>
+          <p:nvPr>
+            <p:ph type="title"/>
+          </p:nvPr>
+        </p:nvSpPr>
+        <p:spPr/>
+        <p:txBody>
+          <a:bodyPr/>
+          <a:lstStyle/>
+          <a:p>
+            <a:r>
+              <a:rPr lang="en-CA" dirty="0"/>
+              <a:t>std::list  </a:t>
+            </a:r>
+            <a:r>
+              <a:rPr lang="en-CA" dirty="0">
+                <a:sym typeface="Wingdings" panose="05000000000000000000" pitchFamily="2" charset="2"/>
+              </a:rPr>
+              <a:t> “lined list”</a:t>
+            </a:r>
+            <a:endParaRPr lang="en-CA" dirty="0"/>
+          </a:p>
+        </p:txBody>
+      </p:sp>
+      <p:sp>
+        <p:nvSpPr>
+          <p:cNvPr id="3" name="Content Placeholder 2">
+            <a:extLst>
+              <a:ext uri="{FF2B5EF4-FFF2-40B4-BE49-F238E27FC236}">
+                <a16:creationId xmlns:a16="http://schemas.microsoft.com/office/drawing/2014/main" id="{07AC5D56-ACAA-387D-B495-3D3D9920EB6E}"/>
+              </a:ext>
+            </a:extLst>
+          </p:cNvPr>
+          <p:cNvSpPr>
+            <a:spLocks noGrp="1"/>
+          </p:cNvSpPr>
+          <p:nvPr>
+            <p:ph idx="1"/>
+          </p:nvPr>
+        </p:nvSpPr>
+        <p:spPr/>
+        <p:txBody>
+          <a:bodyPr>
+            <a:normAutofit fontScale="85000" lnSpcReduction="20000"/>
+          </a:bodyPr>
+          <a:lstStyle/>
+          <a:p>
+            <a:r>
+              <a:rPr lang="en-CA" dirty="0"/>
+              <a:t>Why use this strange structure (instead of a vector or map)?</a:t>
+            </a:r>
+          </a:p>
+          <a:p>
+            <a:r>
+              <a:rPr lang="en-CA" dirty="0"/>
+              <a:t>Insert and delete instantly anywhere</a:t>
+            </a:r>
+          </a:p>
+          <a:p>
+            <a:pPr lvl="1"/>
+            <a:r>
+              <a:rPr lang="en-CA" dirty="0"/>
+              <a:t>O(1) time and always the same</a:t>
+            </a:r>
+          </a:p>
+          <a:p>
+            <a:r>
+              <a:rPr lang="en-CA" dirty="0"/>
+              <a:t>Compared to a vector:</a:t>
+            </a:r>
+          </a:p>
+          <a:p>
+            <a:pPr lvl="1"/>
+            <a:r>
+              <a:rPr lang="en-CA" dirty="0"/>
+              <a:t>Insert or delete at end (</a:t>
+            </a:r>
+            <a:r>
+              <a:rPr lang="en-CA" dirty="0" err="1"/>
+              <a:t>push_back</a:t>
+            </a:r>
+            <a:r>
+              <a:rPr lang="en-CA" dirty="0"/>
+              <a:t>) it’s mostly O(1)</a:t>
+            </a:r>
+            <a:br>
+              <a:rPr lang="en-CA" dirty="0"/>
+            </a:br>
+            <a:r>
+              <a:rPr lang="en-CA" dirty="0"/>
+              <a:t>(unless we have to resize)</a:t>
+            </a:r>
+          </a:p>
+          <a:p>
+            <a:r>
+              <a:rPr lang="en-CA" dirty="0"/>
+              <a:t>Insert and delete are very expensive with vector because it has to copy parts of the data</a:t>
+            </a:r>
+          </a:p>
+        </p:txBody>
+      </p:sp>
+    </p:spTree>
+    <p:extLst>
+      <p:ext uri="{BB962C8B-B14F-4D97-AF65-F5344CB8AC3E}">
+        <p14:creationId xmlns:p14="http://schemas.microsoft.com/office/powerpoint/2010/main" val="1745379580"/>
       </p:ext>
     </p:extLst>
   </p:cSld>
